--- a/lessons/Fundamental_Concepts_of_AppSec/AppSecLecture.pptx
+++ b/lessons/Fundamental_Concepts_of_AppSec/AppSecLecture.pptx
@@ -22,7 +22,11 @@
     <p:sldId id="270" r:id="rId16"/>
     <p:sldId id="271" r:id="rId17"/>
     <p:sldId id="272" r:id="rId18"/>
-    <p:sldId id="273" r:id="rId19"/>
+    <p:sldId id="277" r:id="rId19"/>
+    <p:sldId id="275" r:id="rId20"/>
+    <p:sldId id="276" r:id="rId21"/>
+    <p:sldId id="273" r:id="rId22"/>
+    <p:sldId id="274" r:id="rId23"/>
   </p:sldIdLst>
   <p:sldSz cx="12192000" cy="6858000"/>
   <p:notesSz cx="6858000" cy="9144000"/>
@@ -121,6 +125,11 @@
       </a:defRPr>
     </a:lvl9pPr>
   </p:defaultTextStyle>
+  <p:extLst>
+    <p:ext uri="{EFAFB233-063F-42B5-8137-9DF3F51BA10A}">
+      <p15:sldGuideLst xmlns:p15="http://schemas.microsoft.com/office/powerpoint/2012/main"/>
+    </p:ext>
+  </p:extLst>
 </p:presentation>
 </file>
 
@@ -460,7 +469,7 @@
             <a:fld id="{5923F103-BC34-4FE4-A40E-EDDEECFDA5D0}" type="datetimeFigureOut">
               <a:rPr lang="en-US" dirty="0"/>
               <a:pPr/>
-              <a:t>12/27/21</a:t>
+              <a:t>12/28/21</a:t>
             </a:fld>
             <a:endParaRPr lang="en-US" dirty="0"/>
           </a:p>
@@ -1544,7 +1553,7 @@
           <a:p>
             <a:fld id="{923A1CC3-2375-41D4-9E03-427CAF2A4C1A}" type="datetimeFigureOut">
               <a:rPr lang="en-US" dirty="0"/>
-              <a:t>12/27/21</a:t>
+              <a:t>12/28/21</a:t>
             </a:fld>
             <a:endParaRPr lang="en-US" dirty="0"/>
           </a:p>
@@ -2520,7 +2529,7 @@
           <a:p>
             <a:fld id="{AFF16868-8199-4C2C-A5B1-63AEE139F88E}" type="datetimeFigureOut">
               <a:rPr lang="en-US" dirty="0"/>
-              <a:t>12/27/21</a:t>
+              <a:t>12/28/21</a:t>
             </a:fld>
             <a:endParaRPr lang="en-US" dirty="0"/>
           </a:p>
@@ -3650,7 +3659,7 @@
           <a:p>
             <a:fld id="{AAD9FF7F-6988-44CC-821B-644E70CD2F73}" type="datetimeFigureOut">
               <a:rPr lang="en-US" dirty="0"/>
-              <a:t>12/27/21</a:t>
+              <a:t>12/28/21</a:t>
             </a:fld>
             <a:endParaRPr lang="en-US" dirty="0"/>
           </a:p>
@@ -4679,7 +4688,7 @@
           <a:p>
             <a:fld id="{5C12C299-16B2-4475-990D-751901EACC14}" type="datetimeFigureOut">
               <a:rPr lang="en-US" dirty="0"/>
-              <a:t>12/27/21</a:t>
+              <a:t>12/28/21</a:t>
             </a:fld>
             <a:endParaRPr lang="en-US" dirty="0"/>
           </a:p>
@@ -5335,7 +5344,7 @@
           <a:p>
             <a:fld id="{9FE86839-B9D8-4651-8783-F325ECE74E65}" type="datetimeFigureOut">
               <a:rPr lang="en-US" dirty="0"/>
-              <a:t>12/27/21</a:t>
+              <a:t>12/28/21</a:t>
             </a:fld>
             <a:endParaRPr lang="en-US" dirty="0"/>
           </a:p>
@@ -6192,7 +6201,7 @@
           <a:p>
             <a:fld id="{FD484F64-32F6-45C5-931F-ADC1662401D0}" type="datetimeFigureOut">
               <a:rPr lang="en-US" dirty="0"/>
-              <a:t>12/27/21</a:t>
+              <a:t>12/28/21</a:t>
             </a:fld>
             <a:endParaRPr lang="en-US" dirty="0"/>
           </a:p>
@@ -6378,7 +6387,7 @@
           <a:p>
             <a:fld id="{53086D93-FCAC-47E0-A2EE-787E62CA814C}" type="datetimeFigureOut">
               <a:rPr lang="en-US" dirty="0"/>
-              <a:t>12/27/21</a:t>
+              <a:t>12/28/21</a:t>
             </a:fld>
             <a:endParaRPr lang="en-US" dirty="0"/>
           </a:p>
@@ -7346,7 +7355,7 @@
           <a:p>
             <a:fld id="{CDA879A6-0FD0-4734-A311-86BFCA472E6E}" type="datetimeFigureOut">
               <a:rPr lang="en-US" dirty="0"/>
-              <a:t>12/27/21</a:t>
+              <a:t>12/28/21</a:t>
             </a:fld>
             <a:endParaRPr lang="en-US" dirty="0"/>
           </a:p>
@@ -7553,7 +7562,7 @@
           <a:p>
             <a:fld id="{19C9CA7B-DFD4-44B5-8C60-D14B8CD1FB59}" type="datetimeFigureOut">
               <a:rPr lang="en-US" dirty="0"/>
-              <a:t>12/27/21</a:t>
+              <a:t>12/28/21</a:t>
             </a:fld>
             <a:endParaRPr lang="en-US" dirty="0"/>
           </a:p>
@@ -8583,7 +8592,7 @@
           <a:p>
             <a:fld id="{F34E6425-0181-43F2-84FC-787E803FD2F8}" type="datetimeFigureOut">
               <a:rPr lang="en-US" dirty="0"/>
-              <a:t>12/27/21</a:t>
+              <a:t>12/28/21</a:t>
             </a:fld>
             <a:endParaRPr lang="en-US" dirty="0"/>
           </a:p>
@@ -8851,7 +8860,7 @@
           <a:p>
             <a:fld id="{3BDB8791-F1B0-41E7-B7FD-A781E65C4266}" type="datetimeFigureOut">
               <a:rPr lang="en-US" dirty="0"/>
-              <a:t>12/27/21</a:t>
+              <a:t>12/28/21</a:t>
             </a:fld>
             <a:endParaRPr lang="en-US" dirty="0"/>
           </a:p>
@@ -9257,7 +9266,7 @@
           <a:p>
             <a:fld id="{5FDD63B2-E120-4ED8-B27B-C685F510A5FE}" type="datetimeFigureOut">
               <a:rPr lang="en-US" dirty="0"/>
-              <a:t>12/27/21</a:t>
+              <a:t>12/28/21</a:t>
             </a:fld>
             <a:endParaRPr lang="en-US" dirty="0"/>
           </a:p>
@@ -9380,7 +9389,7 @@
           <a:p>
             <a:fld id="{7AA18ACC-A947-437B-A130-35BD54FDF1E9}" type="datetimeFigureOut">
               <a:rPr lang="en-US" dirty="0"/>
-              <a:t>12/27/21</a:t>
+              <a:t>12/28/21</a:t>
             </a:fld>
             <a:endParaRPr lang="en-US" dirty="0"/>
           </a:p>
@@ -9471,7 +9480,7 @@
           <a:p>
             <a:fld id="{7C8D7E02-BCB8-4D50-A234-369438C08659}" type="datetimeFigureOut">
               <a:rPr lang="en-US" dirty="0"/>
-              <a:t>12/27/21</a:t>
+              <a:t>12/28/21</a:t>
             </a:fld>
             <a:endParaRPr lang="en-US" dirty="0"/>
           </a:p>
@@ -10548,7 +10557,7 @@
           <a:p>
             <a:fld id="{76E86A4C-8E40-4F87-A4F0-01A0687C5742}" type="datetimeFigureOut">
               <a:rPr lang="en-US" dirty="0"/>
-              <a:t>12/27/21</a:t>
+              <a:t>12/28/21</a:t>
             </a:fld>
             <a:endParaRPr lang="en-US" dirty="0"/>
           </a:p>
@@ -11652,7 +11661,7 @@
           <a:p>
             <a:fld id="{35E72C73-2D91-4E12-BA25-F0AA0C03599B}" type="datetimeFigureOut">
               <a:rPr lang="en-US" dirty="0"/>
-              <a:t>12/27/21</a:t>
+              <a:t>12/28/21</a:t>
             </a:fld>
             <a:endParaRPr lang="en-US" dirty="0"/>
           </a:p>
@@ -12645,7 +12654,7 @@
           <a:p>
             <a:fld id="{2BE451C3-0FF4-47C4-B829-773ADF60F88C}" type="datetimeFigureOut">
               <a:rPr lang="en-US" dirty="0"/>
-              <a:t>12/27/21</a:t>
+              <a:t>12/28/21</a:t>
             </a:fld>
             <a:endParaRPr lang="en-US" dirty="0"/>
           </a:p>
@@ -15267,7 +15276,7 @@
           <p:cNvPr id="2" name="Title 1">
             <a:extLst>
               <a:ext uri="{FF2B5EF4-FFF2-40B4-BE49-F238E27FC236}">
-                <a16:creationId xmlns:a16="http://schemas.microsoft.com/office/drawing/2014/main" id="{4C758950-FC26-AB48-9637-F9074CA202C8}"/>
+                <a16:creationId xmlns:a16="http://schemas.microsoft.com/office/drawing/2014/main" id="{69F0E137-BE82-6A46-9481-8947F6945F4C}"/>
               </a:ext>
             </a:extLst>
           </p:cNvPr>
@@ -15285,7 +15294,7 @@
           <a:p>
             <a:r>
               <a:rPr lang="en-US" dirty="0"/>
-              <a:t>REST Security</a:t>
+              <a:t>Error Handling</a:t>
             </a:r>
           </a:p>
         </p:txBody>
@@ -15295,7 +15304,7 @@
           <p:cNvPr id="3" name="Content Placeholder 2">
             <a:extLst>
               <a:ext uri="{FF2B5EF4-FFF2-40B4-BE49-F238E27FC236}">
-                <a16:creationId xmlns:a16="http://schemas.microsoft.com/office/drawing/2014/main" id="{78D1A54F-F322-D04B-896F-20C6CFE1EB91}"/>
+                <a16:creationId xmlns:a16="http://schemas.microsoft.com/office/drawing/2014/main" id="{4FC6CEF5-4312-4B4B-B25D-FE613A134C83}"/>
               </a:ext>
             </a:extLst>
           </p:cNvPr>
@@ -15313,38 +15322,39 @@
           <a:p>
             <a:r>
               <a:rPr lang="en-US" dirty="0"/>
-              <a:t>Do not expose sensitive information in the request URL</a:t>
+              <a:t>Fail gracefully</a:t>
             </a:r>
           </a:p>
           <a:p>
             <a:pPr lvl="1"/>
             <a:r>
               <a:rPr lang="en-US" dirty="0"/>
-              <a:t>Store in either the header of the request, or a body</a:t>
+              <a:t>Use try-catch/try-except to catch potential errors</a:t>
             </a:r>
           </a:p>
           <a:p>
             <a:r>
               <a:rPr lang="en-US" dirty="0"/>
-              <a:t>Make proper usage of security headers, such as a Content Security Policy and CORS</a:t>
-            </a:r>
-          </a:p>
-          <a:p>
+              <a:t>Provide generic error messages to end users</a:t>
+            </a:r>
+          </a:p>
+          <a:p>
+            <a:pPr lvl="1"/>
             <a:r>
               <a:rPr lang="en-US" dirty="0"/>
-              <a:t>Do not expose management endpoints over the internet unless absolutely necessary</a:t>
+              <a:t>Use error codes or event IDs to provide information to assist in troubleshooting</a:t>
             </a:r>
           </a:p>
           <a:p>
             <a:r>
               <a:rPr lang="en-US" dirty="0"/>
-              <a:t>Define allowed content types</a:t>
+              <a:t>Never print stack traces in production</a:t>
             </a:r>
           </a:p>
           <a:p>
             <a:r>
               <a:rPr lang="en-US" dirty="0"/>
-              <a:t>Always usage some form of authentication, if for no other reason than to allow for rate limiting</a:t>
+              <a:t>Never provide PII in error messages</a:t>
             </a:r>
           </a:p>
         </p:txBody>
@@ -15352,12 +15362,992 @@
     </p:spTree>
     <p:extLst>
       <p:ext uri="{BB962C8B-B14F-4D97-AF65-F5344CB8AC3E}">
-        <p14:creationId xmlns:p14="http://schemas.microsoft.com/office/powerpoint/2010/main" val="864233533"/>
+        <p14:creationId xmlns:p14="http://schemas.microsoft.com/office/powerpoint/2010/main" val="2886618689"/>
       </p:ext>
     </p:extLst>
   </p:cSld>
   <p:clrMapOvr>
     <a:masterClrMapping/>
+  </p:clrMapOvr>
+</p:sld>
+</file>
+
+<file path=ppt/slides/slide19.xml><?xml version="1.0" encoding="utf-8"?>
+<p:sld xmlns:a="http://schemas.openxmlformats.org/drawingml/2006/main" xmlns:r="http://schemas.openxmlformats.org/officeDocument/2006/relationships" xmlns:p="http://schemas.openxmlformats.org/presentationml/2006/main">
+  <p:cSld>
+    <p:bg>
+      <p:bgPr>
+        <a:solidFill>
+          <a:schemeClr val="bg1"/>
+        </a:solidFill>
+        <a:effectLst/>
+      </p:bgPr>
+    </p:bg>
+    <p:spTree>
+      <p:nvGrpSpPr>
+        <p:cNvPr id="1" name=""/>
+        <p:cNvGrpSpPr/>
+        <p:nvPr/>
+      </p:nvGrpSpPr>
+      <p:grpSpPr>
+        <a:xfrm>
+          <a:off x="0" y="0"/>
+          <a:ext cx="0" cy="0"/>
+          <a:chOff x="0" y="0"/>
+          <a:chExt cx="0" cy="0"/>
+        </a:xfrm>
+      </p:grpSpPr>
+      <p:sp>
+        <p:nvSpPr>
+          <p:cNvPr id="9" name="Rectangle 8">
+            <a:extLst>
+              <a:ext uri="{FF2B5EF4-FFF2-40B4-BE49-F238E27FC236}">
+                <a16:creationId xmlns:a16="http://schemas.microsoft.com/office/drawing/2014/main" id="{F70C2B8F-6B1B-46D5-86E6-40F36C695FC2}"/>
+              </a:ext>
+              <a:ext uri="{C183D7F6-B498-43B3-948B-1728B52AA6E4}">
+                <adec:decorative xmlns:adec="http://schemas.microsoft.com/office/drawing/2017/decorative" val="1"/>
+              </a:ext>
+            </a:extLst>
+          </p:cNvPr>
+          <p:cNvSpPr>
+            <a:spLocks noGrp="1" noRot="1" noChangeAspect="1" noMove="1" noResize="1" noEditPoints="1" noAdjustHandles="1" noChangeArrowheads="1" noChangeShapeType="1" noTextEdit="1"/>
+          </p:cNvSpPr>
+          <p:nvPr>
+            <p:extLst>
+              <p:ext uri="{386F3935-93C4-4BCD-93E2-E3B085C9AB24}">
+                <p16:designElem xmlns:p16="http://schemas.microsoft.com/office/powerpoint/2015/main" val="1"/>
+              </p:ext>
+            </p:extLst>
+          </p:nvPr>
+        </p:nvSpPr>
+        <p:spPr>
+          <a:xfrm>
+            <a:off x="0" y="0"/>
+            <a:ext cx="12192000" cy="6858000"/>
+          </a:xfrm>
+          <a:prstGeom prst="rect">
+            <a:avLst/>
+          </a:prstGeom>
+          <a:ln>
+            <a:noFill/>
+          </a:ln>
+        </p:spPr>
+        <p:style>
+          <a:lnRef idx="2">
+            <a:schemeClr val="accent1">
+              <a:shade val="50000"/>
+            </a:schemeClr>
+          </a:lnRef>
+          <a:fillRef idx="1003">
+            <a:schemeClr val="dk2"/>
+          </a:fillRef>
+          <a:effectRef idx="0">
+            <a:schemeClr val="accent1"/>
+          </a:effectRef>
+          <a:fontRef idx="minor">
+            <a:schemeClr val="lt1"/>
+          </a:fontRef>
+        </p:style>
+      </p:sp>
+      <p:sp>
+        <p:nvSpPr>
+          <p:cNvPr id="11" name="Freeform 5">
+            <a:extLst>
+              <a:ext uri="{FF2B5EF4-FFF2-40B4-BE49-F238E27FC236}">
+                <a16:creationId xmlns:a16="http://schemas.microsoft.com/office/drawing/2014/main" id="{DB521824-592C-476A-AB0A-CA0C6D1F3407}"/>
+              </a:ext>
+              <a:ext uri="{C183D7F6-B498-43B3-948B-1728B52AA6E4}">
+                <adec:decorative xmlns:adec="http://schemas.microsoft.com/office/drawing/2017/decorative" val="1"/>
+              </a:ext>
+            </a:extLst>
+          </p:cNvPr>
+          <p:cNvSpPr>
+            <a:spLocks noGrp="1" noRot="1" noChangeAspect="1" noMove="1" noResize="1" noEditPoints="1" noAdjustHandles="1" noChangeArrowheads="1" noChangeShapeType="1" noTextEdit="1"/>
+          </p:cNvSpPr>
+          <p:nvPr>
+            <p:extLst>
+              <p:ext uri="{386F3935-93C4-4BCD-93E2-E3B085C9AB24}">
+                <p16:designElem xmlns:p16="http://schemas.microsoft.com/office/powerpoint/2015/main" val="1"/>
+              </p:ext>
+            </p:extLst>
+          </p:nvPr>
+        </p:nvSpPr>
+        <p:spPr bwMode="gray">
+          <a:xfrm rot="15922489">
+            <a:off x="4698352" y="1826078"/>
+            <a:ext cx="3299407" cy="440924"/>
+          </a:xfrm>
+          <a:custGeom>
+            <a:avLst/>
+            <a:gdLst/>
+            <a:ahLst/>
+            <a:cxnLst/>
+            <a:rect l="l" t="t" r="r" b="b"/>
+            <a:pathLst>
+              <a:path w="10000" h="5291">
+                <a:moveTo>
+                  <a:pt x="85" y="2532"/>
+                </a:moveTo>
+                <a:cubicBezTo>
+                  <a:pt x="1736" y="3911"/>
+                  <a:pt x="7524" y="5298"/>
+                  <a:pt x="9958" y="5291"/>
+                </a:cubicBezTo>
+                <a:cubicBezTo>
+                  <a:pt x="9989" y="1958"/>
+                  <a:pt x="9969" y="3333"/>
+                  <a:pt x="10000" y="0"/>
+                </a:cubicBezTo>
+                <a:lnTo>
+                  <a:pt x="10000" y="0"/>
+                </a:lnTo>
+                <a:lnTo>
+                  <a:pt x="9667" y="204"/>
+                </a:lnTo>
+                <a:lnTo>
+                  <a:pt x="9334" y="400"/>
+                </a:lnTo>
+                <a:lnTo>
+                  <a:pt x="9001" y="590"/>
+                </a:lnTo>
+                <a:lnTo>
+                  <a:pt x="8667" y="753"/>
+                </a:lnTo>
+                <a:lnTo>
+                  <a:pt x="8333" y="917"/>
+                </a:lnTo>
+                <a:lnTo>
+                  <a:pt x="7999" y="1071"/>
+                </a:lnTo>
+                <a:lnTo>
+                  <a:pt x="7669" y="1202"/>
+                </a:lnTo>
+                <a:lnTo>
+                  <a:pt x="7333" y="1325"/>
+                </a:lnTo>
+                <a:lnTo>
+                  <a:pt x="7000" y="1440"/>
+                </a:lnTo>
+                <a:lnTo>
+                  <a:pt x="6673" y="1538"/>
+                </a:lnTo>
+                <a:lnTo>
+                  <a:pt x="6340" y="1636"/>
+                </a:lnTo>
+                <a:lnTo>
+                  <a:pt x="6013" y="1719"/>
+                </a:lnTo>
+                <a:lnTo>
+                  <a:pt x="5686" y="1784"/>
+                </a:lnTo>
+                <a:lnTo>
+                  <a:pt x="5359" y="1850"/>
+                </a:lnTo>
+                <a:lnTo>
+                  <a:pt x="5036" y="1906"/>
+                </a:lnTo>
+                <a:lnTo>
+                  <a:pt x="4717" y="1948"/>
+                </a:lnTo>
+                <a:lnTo>
+                  <a:pt x="4396" y="1980"/>
+                </a:lnTo>
+                <a:lnTo>
+                  <a:pt x="4079" y="2013"/>
+                </a:lnTo>
+                <a:lnTo>
+                  <a:pt x="3766" y="2029"/>
+                </a:lnTo>
+                <a:lnTo>
+                  <a:pt x="3454" y="2046"/>
+                </a:lnTo>
+                <a:lnTo>
+                  <a:pt x="3145" y="2053"/>
+                </a:lnTo>
+                <a:lnTo>
+                  <a:pt x="2839" y="2046"/>
+                </a:lnTo>
+                <a:lnTo>
+                  <a:pt x="2537" y="2046"/>
+                </a:lnTo>
+                <a:lnTo>
+                  <a:pt x="2238" y="2029"/>
+                </a:lnTo>
+                <a:lnTo>
+                  <a:pt x="1943" y="2004"/>
+                </a:lnTo>
+                <a:lnTo>
+                  <a:pt x="1653" y="1980"/>
+                </a:lnTo>
+                <a:lnTo>
+                  <a:pt x="1368" y="1955"/>
+                </a:lnTo>
+                <a:lnTo>
+                  <a:pt x="1085" y="1915"/>
+                </a:lnTo>
+                <a:lnTo>
+                  <a:pt x="806" y="1873"/>
+                </a:lnTo>
+                <a:lnTo>
+                  <a:pt x="533" y="1833"/>
+                </a:lnTo>
+                <a:lnTo>
+                  <a:pt x="0" y="1726"/>
+                </a:lnTo>
+                <a:cubicBezTo>
+                  <a:pt x="28" y="1995"/>
+                  <a:pt x="57" y="2263"/>
+                  <a:pt x="85" y="2532"/>
+                </a:cubicBezTo>
+                <a:close/>
+              </a:path>
+            </a:pathLst>
+          </a:custGeom>
+          <a:solidFill>
+            <a:schemeClr val="tx1">
+              <a:alpha val="20000"/>
+            </a:schemeClr>
+          </a:solidFill>
+          <a:ln>
+            <a:noFill/>
+          </a:ln>
+        </p:spPr>
+      </p:sp>
+      <p:sp>
+        <p:nvSpPr>
+          <p:cNvPr id="13" name="Freeform: Shape 12">
+            <a:extLst>
+              <a:ext uri="{FF2B5EF4-FFF2-40B4-BE49-F238E27FC236}">
+                <a16:creationId xmlns:a16="http://schemas.microsoft.com/office/drawing/2014/main" id="{A2749EFA-8EE4-4EB8-9424-8E593B9320AD}"/>
+              </a:ext>
+              <a:ext uri="{C183D7F6-B498-43B3-948B-1728B52AA6E4}">
+                <adec:decorative xmlns:adec="http://schemas.microsoft.com/office/drawing/2017/decorative" val="1"/>
+              </a:ext>
+            </a:extLst>
+          </p:cNvPr>
+          <p:cNvSpPr>
+            <a:spLocks noGrp="1" noRot="1" noChangeAspect="1" noMove="1" noResize="1" noEditPoints="1" noAdjustHandles="1" noChangeArrowheads="1" noChangeShapeType="1" noTextEdit="1"/>
+          </p:cNvSpPr>
+          <p:nvPr>
+            <p:extLst>
+              <p:ext uri="{386F3935-93C4-4BCD-93E2-E3B085C9AB24}">
+                <p16:designElem xmlns:p16="http://schemas.microsoft.com/office/powerpoint/2015/main" val="1"/>
+              </p:ext>
+            </p:extLst>
+          </p:nvPr>
+        </p:nvSpPr>
+        <p:spPr bwMode="gray">
+          <a:xfrm rot="16200000">
+            <a:off x="5950898" y="638067"/>
+            <a:ext cx="6053670" cy="5581866"/>
+          </a:xfrm>
+          <a:custGeom>
+            <a:avLst/>
+            <a:gdLst>
+              <a:gd name="connsiteX0" fmla="*/ 6053670 w 6053670"/>
+              <a:gd name="connsiteY0" fmla="*/ 1098 h 5581866"/>
+              <a:gd name="connsiteX1" fmla="*/ 6053670 w 6053670"/>
+              <a:gd name="connsiteY1" fmla="*/ 514028 h 5581866"/>
+              <a:gd name="connsiteX2" fmla="*/ 6053670 w 6053670"/>
+              <a:gd name="connsiteY2" fmla="*/ 1254558 h 5581866"/>
+              <a:gd name="connsiteX3" fmla="*/ 6053670 w 6053670"/>
+              <a:gd name="connsiteY3" fmla="*/ 5581866 h 5581866"/>
+              <a:gd name="connsiteX4" fmla="*/ 0 w 6053670"/>
+              <a:gd name="connsiteY4" fmla="*/ 5581866 h 5581866"/>
+              <a:gd name="connsiteX5" fmla="*/ 0 w 6053670"/>
+              <a:gd name="connsiteY5" fmla="*/ 1249853 h 5581866"/>
+              <a:gd name="connsiteX6" fmla="*/ 0 w 6053670"/>
+              <a:gd name="connsiteY6" fmla="*/ 514028 h 5581866"/>
+              <a:gd name="connsiteX7" fmla="*/ 0 w 6053670"/>
+              <a:gd name="connsiteY7" fmla="*/ 0 h 5581866"/>
+              <a:gd name="connsiteX8" fmla="*/ 35717 w 6053670"/>
+              <a:gd name="connsiteY8" fmla="*/ 5488 h 5581866"/>
+              <a:gd name="connsiteX9" fmla="*/ 140445 w 6053670"/>
+              <a:gd name="connsiteY9" fmla="*/ 21641 h 5581866"/>
+              <a:gd name="connsiteX10" fmla="*/ 216722 w 6053670"/>
+              <a:gd name="connsiteY10" fmla="*/ 32932 h 5581866"/>
+              <a:gd name="connsiteX11" fmla="*/ 307527 w 6053670"/>
+              <a:gd name="connsiteY11" fmla="*/ 44850 h 5581866"/>
+              <a:gd name="connsiteX12" fmla="*/ 415282 w 6053670"/>
+              <a:gd name="connsiteY12" fmla="*/ 59121 h 5581866"/>
+              <a:gd name="connsiteX13" fmla="*/ 534539 w 6053670"/>
+              <a:gd name="connsiteY13" fmla="*/ 74175 h 5581866"/>
+              <a:gd name="connsiteX14" fmla="*/ 668931 w 6053670"/>
+              <a:gd name="connsiteY14" fmla="*/ 90014 h 5581866"/>
+              <a:gd name="connsiteX15" fmla="*/ 815430 w 6053670"/>
+              <a:gd name="connsiteY15" fmla="*/ 106794 h 5581866"/>
+              <a:gd name="connsiteX16" fmla="*/ 974641 w 6053670"/>
+              <a:gd name="connsiteY16" fmla="*/ 123574 h 5581866"/>
+              <a:gd name="connsiteX17" fmla="*/ 1144144 w 6053670"/>
+              <a:gd name="connsiteY17" fmla="*/ 140667 h 5581866"/>
+              <a:gd name="connsiteX18" fmla="*/ 1326965 w 6053670"/>
+              <a:gd name="connsiteY18" fmla="*/ 156506 h 5581866"/>
+              <a:gd name="connsiteX19" fmla="*/ 1518261 w 6053670"/>
+              <a:gd name="connsiteY19" fmla="*/ 171717 h 5581866"/>
+              <a:gd name="connsiteX20" fmla="*/ 1720453 w 6053670"/>
+              <a:gd name="connsiteY20" fmla="*/ 185518 h 5581866"/>
+              <a:gd name="connsiteX21" fmla="*/ 1931121 w 6053670"/>
+              <a:gd name="connsiteY21" fmla="*/ 198690 h 5581866"/>
+              <a:gd name="connsiteX22" fmla="*/ 2150869 w 6053670"/>
+              <a:gd name="connsiteY22" fmla="*/ 211079 h 5581866"/>
+              <a:gd name="connsiteX23" fmla="*/ 2263467 w 6053670"/>
+              <a:gd name="connsiteY23" fmla="*/ 215470 h 5581866"/>
+              <a:gd name="connsiteX24" fmla="*/ 2378487 w 6053670"/>
+              <a:gd name="connsiteY24" fmla="*/ 220332 h 5581866"/>
+              <a:gd name="connsiteX25" fmla="*/ 2495323 w 6053670"/>
+              <a:gd name="connsiteY25" fmla="*/ 224879 h 5581866"/>
+              <a:gd name="connsiteX26" fmla="*/ 2612764 w 6053670"/>
+              <a:gd name="connsiteY26" fmla="*/ 227859 h 5581866"/>
+              <a:gd name="connsiteX27" fmla="*/ 2732627 w 6053670"/>
+              <a:gd name="connsiteY27" fmla="*/ 230525 h 5581866"/>
+              <a:gd name="connsiteX28" fmla="*/ 2853700 w 6053670"/>
+              <a:gd name="connsiteY28" fmla="*/ 233348 h 5581866"/>
+              <a:gd name="connsiteX29" fmla="*/ 2977195 w 6053670"/>
+              <a:gd name="connsiteY29" fmla="*/ 235229 h 5581866"/>
+              <a:gd name="connsiteX30" fmla="*/ 3101900 w 6053670"/>
+              <a:gd name="connsiteY30" fmla="*/ 235229 h 5581866"/>
+              <a:gd name="connsiteX31" fmla="*/ 3227817 w 6053670"/>
+              <a:gd name="connsiteY31" fmla="*/ 236170 h 5581866"/>
+              <a:gd name="connsiteX32" fmla="*/ 3354944 w 6053670"/>
+              <a:gd name="connsiteY32" fmla="*/ 235229 h 5581866"/>
+              <a:gd name="connsiteX33" fmla="*/ 3483887 w 6053670"/>
+              <a:gd name="connsiteY33" fmla="*/ 233348 h 5581866"/>
+              <a:gd name="connsiteX34" fmla="*/ 3612830 w 6053670"/>
+              <a:gd name="connsiteY34" fmla="*/ 231623 h 5581866"/>
+              <a:gd name="connsiteX35" fmla="*/ 3743589 w 6053670"/>
+              <a:gd name="connsiteY35" fmla="*/ 227859 h 5581866"/>
+              <a:gd name="connsiteX36" fmla="*/ 3875559 w 6053670"/>
+              <a:gd name="connsiteY36" fmla="*/ 223938 h 5581866"/>
+              <a:gd name="connsiteX37" fmla="*/ 4007529 w 6053670"/>
+              <a:gd name="connsiteY37" fmla="*/ 219391 h 5581866"/>
+              <a:gd name="connsiteX38" fmla="*/ 4140710 w 6053670"/>
+              <a:gd name="connsiteY38" fmla="*/ 212961 h 5581866"/>
+              <a:gd name="connsiteX39" fmla="*/ 4275102 w 6053670"/>
+              <a:gd name="connsiteY39" fmla="*/ 205277 h 5581866"/>
+              <a:gd name="connsiteX40" fmla="*/ 4410098 w 6053670"/>
+              <a:gd name="connsiteY40" fmla="*/ 197907 h 5581866"/>
+              <a:gd name="connsiteX41" fmla="*/ 4545096 w 6053670"/>
+              <a:gd name="connsiteY41" fmla="*/ 188498 h 5581866"/>
+              <a:gd name="connsiteX42" fmla="*/ 4681909 w 6053670"/>
+              <a:gd name="connsiteY42" fmla="*/ 177207 h 5581866"/>
+              <a:gd name="connsiteX43" fmla="*/ 4816905 w 6053670"/>
+              <a:gd name="connsiteY43" fmla="*/ 165916 h 5581866"/>
+              <a:gd name="connsiteX44" fmla="*/ 4954323 w 6053670"/>
+              <a:gd name="connsiteY44" fmla="*/ 152899 h 5581866"/>
+              <a:gd name="connsiteX45" fmla="*/ 5092347 w 6053670"/>
+              <a:gd name="connsiteY45" fmla="*/ 138629 h 5581866"/>
+              <a:gd name="connsiteX46" fmla="*/ 5228555 w 6053670"/>
+              <a:gd name="connsiteY46" fmla="*/ 123574 h 5581866"/>
+              <a:gd name="connsiteX47" fmla="*/ 5366578 w 6053670"/>
+              <a:gd name="connsiteY47" fmla="*/ 106010 h 5581866"/>
+              <a:gd name="connsiteX48" fmla="*/ 5503997 w 6053670"/>
+              <a:gd name="connsiteY48" fmla="*/ 87192 h 5581866"/>
+              <a:gd name="connsiteX49" fmla="*/ 5642020 w 6053670"/>
+              <a:gd name="connsiteY49" fmla="*/ 68530 h 5581866"/>
+              <a:gd name="connsiteX50" fmla="*/ 5779438 w 6053670"/>
+              <a:gd name="connsiteY50" fmla="*/ 46733 h 5581866"/>
+              <a:gd name="connsiteX51" fmla="*/ 5916251 w 6053670"/>
+              <a:gd name="connsiteY51" fmla="*/ 24464 h 5581866"/>
+            </a:gdLst>
+            <a:ahLst/>
+            <a:cxnLst>
+              <a:cxn ang="0">
+                <a:pos x="connsiteX0" y="connsiteY0"/>
+              </a:cxn>
+              <a:cxn ang="0">
+                <a:pos x="connsiteX1" y="connsiteY1"/>
+              </a:cxn>
+              <a:cxn ang="0">
+                <a:pos x="connsiteX2" y="connsiteY2"/>
+              </a:cxn>
+              <a:cxn ang="0">
+                <a:pos x="connsiteX3" y="connsiteY3"/>
+              </a:cxn>
+              <a:cxn ang="0">
+                <a:pos x="connsiteX4" y="connsiteY4"/>
+              </a:cxn>
+              <a:cxn ang="0">
+                <a:pos x="connsiteX5" y="connsiteY5"/>
+              </a:cxn>
+              <a:cxn ang="0">
+                <a:pos x="connsiteX6" y="connsiteY6"/>
+              </a:cxn>
+              <a:cxn ang="0">
+                <a:pos x="connsiteX7" y="connsiteY7"/>
+              </a:cxn>
+              <a:cxn ang="0">
+                <a:pos x="connsiteX8" y="connsiteY8"/>
+              </a:cxn>
+              <a:cxn ang="0">
+                <a:pos x="connsiteX9" y="connsiteY9"/>
+              </a:cxn>
+              <a:cxn ang="0">
+                <a:pos x="connsiteX10" y="connsiteY10"/>
+              </a:cxn>
+              <a:cxn ang="0">
+                <a:pos x="connsiteX11" y="connsiteY11"/>
+              </a:cxn>
+              <a:cxn ang="0">
+                <a:pos x="connsiteX12" y="connsiteY12"/>
+              </a:cxn>
+              <a:cxn ang="0">
+                <a:pos x="connsiteX13" y="connsiteY13"/>
+              </a:cxn>
+              <a:cxn ang="0">
+                <a:pos x="connsiteX14" y="connsiteY14"/>
+              </a:cxn>
+              <a:cxn ang="0">
+                <a:pos x="connsiteX15" y="connsiteY15"/>
+              </a:cxn>
+              <a:cxn ang="0">
+                <a:pos x="connsiteX16" y="connsiteY16"/>
+              </a:cxn>
+              <a:cxn ang="0">
+                <a:pos x="connsiteX17" y="connsiteY17"/>
+              </a:cxn>
+              <a:cxn ang="0">
+                <a:pos x="connsiteX18" y="connsiteY18"/>
+              </a:cxn>
+              <a:cxn ang="0">
+                <a:pos x="connsiteX19" y="connsiteY19"/>
+              </a:cxn>
+              <a:cxn ang="0">
+                <a:pos x="connsiteX20" y="connsiteY20"/>
+              </a:cxn>
+              <a:cxn ang="0">
+                <a:pos x="connsiteX21" y="connsiteY21"/>
+              </a:cxn>
+              <a:cxn ang="0">
+                <a:pos x="connsiteX22" y="connsiteY22"/>
+              </a:cxn>
+              <a:cxn ang="0">
+                <a:pos x="connsiteX23" y="connsiteY23"/>
+              </a:cxn>
+              <a:cxn ang="0">
+                <a:pos x="connsiteX24" y="connsiteY24"/>
+              </a:cxn>
+              <a:cxn ang="0">
+                <a:pos x="connsiteX25" y="connsiteY25"/>
+              </a:cxn>
+              <a:cxn ang="0">
+                <a:pos x="connsiteX26" y="connsiteY26"/>
+              </a:cxn>
+              <a:cxn ang="0">
+                <a:pos x="connsiteX27" y="connsiteY27"/>
+              </a:cxn>
+              <a:cxn ang="0">
+                <a:pos x="connsiteX28" y="connsiteY28"/>
+              </a:cxn>
+              <a:cxn ang="0">
+                <a:pos x="connsiteX29" y="connsiteY29"/>
+              </a:cxn>
+              <a:cxn ang="0">
+                <a:pos x="connsiteX30" y="connsiteY30"/>
+              </a:cxn>
+              <a:cxn ang="0">
+                <a:pos x="connsiteX31" y="connsiteY31"/>
+              </a:cxn>
+              <a:cxn ang="0">
+                <a:pos x="connsiteX32" y="connsiteY32"/>
+              </a:cxn>
+              <a:cxn ang="0">
+                <a:pos x="connsiteX33" y="connsiteY33"/>
+              </a:cxn>
+              <a:cxn ang="0">
+                <a:pos x="connsiteX34" y="connsiteY34"/>
+              </a:cxn>
+              <a:cxn ang="0">
+                <a:pos x="connsiteX35" y="connsiteY35"/>
+              </a:cxn>
+              <a:cxn ang="0">
+                <a:pos x="connsiteX36" y="connsiteY36"/>
+              </a:cxn>
+              <a:cxn ang="0">
+                <a:pos x="connsiteX37" y="connsiteY37"/>
+              </a:cxn>
+              <a:cxn ang="0">
+                <a:pos x="connsiteX38" y="connsiteY38"/>
+              </a:cxn>
+              <a:cxn ang="0">
+                <a:pos x="connsiteX39" y="connsiteY39"/>
+              </a:cxn>
+              <a:cxn ang="0">
+                <a:pos x="connsiteX40" y="connsiteY40"/>
+              </a:cxn>
+              <a:cxn ang="0">
+                <a:pos x="connsiteX41" y="connsiteY41"/>
+              </a:cxn>
+              <a:cxn ang="0">
+                <a:pos x="connsiteX42" y="connsiteY42"/>
+              </a:cxn>
+              <a:cxn ang="0">
+                <a:pos x="connsiteX43" y="connsiteY43"/>
+              </a:cxn>
+              <a:cxn ang="0">
+                <a:pos x="connsiteX44" y="connsiteY44"/>
+              </a:cxn>
+              <a:cxn ang="0">
+                <a:pos x="connsiteX45" y="connsiteY45"/>
+              </a:cxn>
+              <a:cxn ang="0">
+                <a:pos x="connsiteX46" y="connsiteY46"/>
+              </a:cxn>
+              <a:cxn ang="0">
+                <a:pos x="connsiteX47" y="connsiteY47"/>
+              </a:cxn>
+              <a:cxn ang="0">
+                <a:pos x="connsiteX48" y="connsiteY48"/>
+              </a:cxn>
+              <a:cxn ang="0">
+                <a:pos x="connsiteX49" y="connsiteY49"/>
+              </a:cxn>
+              <a:cxn ang="0">
+                <a:pos x="connsiteX50" y="connsiteY50"/>
+              </a:cxn>
+              <a:cxn ang="0">
+                <a:pos x="connsiteX51" y="connsiteY51"/>
+              </a:cxn>
+            </a:cxnLst>
+            <a:rect l="l" t="t" r="r" b="b"/>
+            <a:pathLst>
+              <a:path w="6053670" h="5581866">
+                <a:moveTo>
+                  <a:pt x="6053670" y="1098"/>
+                </a:moveTo>
+                <a:lnTo>
+                  <a:pt x="6053670" y="514028"/>
+                </a:lnTo>
+                <a:lnTo>
+                  <a:pt x="6053670" y="1254558"/>
+                </a:lnTo>
+                <a:lnTo>
+                  <a:pt x="6053670" y="5581866"/>
+                </a:lnTo>
+                <a:lnTo>
+                  <a:pt x="0" y="5581866"/>
+                </a:lnTo>
+                <a:lnTo>
+                  <a:pt x="0" y="1249853"/>
+                </a:lnTo>
+                <a:lnTo>
+                  <a:pt x="0" y="514028"/>
+                </a:lnTo>
+                <a:lnTo>
+                  <a:pt x="0" y="0"/>
+                </a:lnTo>
+                <a:lnTo>
+                  <a:pt x="35717" y="5488"/>
+                </a:lnTo>
+                <a:lnTo>
+                  <a:pt x="140445" y="21641"/>
+                </a:lnTo>
+                <a:lnTo>
+                  <a:pt x="216722" y="32932"/>
+                </a:lnTo>
+                <a:lnTo>
+                  <a:pt x="307527" y="44850"/>
+                </a:lnTo>
+                <a:lnTo>
+                  <a:pt x="415282" y="59121"/>
+                </a:lnTo>
+                <a:lnTo>
+                  <a:pt x="534539" y="74175"/>
+                </a:lnTo>
+                <a:lnTo>
+                  <a:pt x="668931" y="90014"/>
+                </a:lnTo>
+                <a:lnTo>
+                  <a:pt x="815430" y="106794"/>
+                </a:lnTo>
+                <a:lnTo>
+                  <a:pt x="974641" y="123574"/>
+                </a:lnTo>
+                <a:lnTo>
+                  <a:pt x="1144144" y="140667"/>
+                </a:lnTo>
+                <a:lnTo>
+                  <a:pt x="1326965" y="156506"/>
+                </a:lnTo>
+                <a:lnTo>
+                  <a:pt x="1518261" y="171717"/>
+                </a:lnTo>
+                <a:lnTo>
+                  <a:pt x="1720453" y="185518"/>
+                </a:lnTo>
+                <a:lnTo>
+                  <a:pt x="1931121" y="198690"/>
+                </a:lnTo>
+                <a:lnTo>
+                  <a:pt x="2150869" y="211079"/>
+                </a:lnTo>
+                <a:lnTo>
+                  <a:pt x="2263467" y="215470"/>
+                </a:lnTo>
+                <a:lnTo>
+                  <a:pt x="2378487" y="220332"/>
+                </a:lnTo>
+                <a:lnTo>
+                  <a:pt x="2495323" y="224879"/>
+                </a:lnTo>
+                <a:lnTo>
+                  <a:pt x="2612764" y="227859"/>
+                </a:lnTo>
+                <a:lnTo>
+                  <a:pt x="2732627" y="230525"/>
+                </a:lnTo>
+                <a:lnTo>
+                  <a:pt x="2853700" y="233348"/>
+                </a:lnTo>
+                <a:lnTo>
+                  <a:pt x="2977195" y="235229"/>
+                </a:lnTo>
+                <a:lnTo>
+                  <a:pt x="3101900" y="235229"/>
+                </a:lnTo>
+                <a:lnTo>
+                  <a:pt x="3227817" y="236170"/>
+                </a:lnTo>
+                <a:lnTo>
+                  <a:pt x="3354944" y="235229"/>
+                </a:lnTo>
+                <a:lnTo>
+                  <a:pt x="3483887" y="233348"/>
+                </a:lnTo>
+                <a:lnTo>
+                  <a:pt x="3612830" y="231623"/>
+                </a:lnTo>
+                <a:lnTo>
+                  <a:pt x="3743589" y="227859"/>
+                </a:lnTo>
+                <a:lnTo>
+                  <a:pt x="3875559" y="223938"/>
+                </a:lnTo>
+                <a:lnTo>
+                  <a:pt x="4007529" y="219391"/>
+                </a:lnTo>
+                <a:lnTo>
+                  <a:pt x="4140710" y="212961"/>
+                </a:lnTo>
+                <a:lnTo>
+                  <a:pt x="4275102" y="205277"/>
+                </a:lnTo>
+                <a:lnTo>
+                  <a:pt x="4410098" y="197907"/>
+                </a:lnTo>
+                <a:lnTo>
+                  <a:pt x="4545096" y="188498"/>
+                </a:lnTo>
+                <a:lnTo>
+                  <a:pt x="4681909" y="177207"/>
+                </a:lnTo>
+                <a:lnTo>
+                  <a:pt x="4816905" y="165916"/>
+                </a:lnTo>
+                <a:lnTo>
+                  <a:pt x="4954323" y="152899"/>
+                </a:lnTo>
+                <a:lnTo>
+                  <a:pt x="5092347" y="138629"/>
+                </a:lnTo>
+                <a:lnTo>
+                  <a:pt x="5228555" y="123574"/>
+                </a:lnTo>
+                <a:lnTo>
+                  <a:pt x="5366578" y="106010"/>
+                </a:lnTo>
+                <a:lnTo>
+                  <a:pt x="5503997" y="87192"/>
+                </a:lnTo>
+                <a:lnTo>
+                  <a:pt x="5642020" y="68530"/>
+                </a:lnTo>
+                <a:lnTo>
+                  <a:pt x="5779438" y="46733"/>
+                </a:lnTo>
+                <a:lnTo>
+                  <a:pt x="5916251" y="24464"/>
+                </a:lnTo>
+                <a:close/>
+              </a:path>
+            </a:pathLst>
+          </a:custGeom>
+          <a:solidFill>
+            <a:schemeClr val="tx1"/>
+          </a:solidFill>
+          <a:ln>
+            <a:noFill/>
+          </a:ln>
+        </p:spPr>
+      </p:sp>
+      <p:sp>
+        <p:nvSpPr>
+          <p:cNvPr id="15" name="Freeform 5">
+            <a:extLst>
+              <a:ext uri="{FF2B5EF4-FFF2-40B4-BE49-F238E27FC236}">
+                <a16:creationId xmlns:a16="http://schemas.microsoft.com/office/drawing/2014/main" id="{B5C860C9-D4F9-4350-80DA-0D1CD36C7741}"/>
+              </a:ext>
+              <a:ext uri="{C183D7F6-B498-43B3-948B-1728B52AA6E4}">
+                <adec:decorative xmlns:adec="http://schemas.microsoft.com/office/drawing/2017/decorative" val="1"/>
+              </a:ext>
+            </a:extLst>
+          </p:cNvPr>
+          <p:cNvSpPr>
+            <a:spLocks noGrp="1" noRot="1" noChangeAspect="1" noMove="1" noResize="1" noEditPoints="1" noAdjustHandles="1" noChangeArrowheads="1" noChangeShapeType="1" noTextEdit="1"/>
+          </p:cNvSpPr>
+          <p:nvPr>
+            <p:extLst>
+              <p:ext uri="{386F3935-93C4-4BCD-93E2-E3B085C9AB24}">
+                <p16:designElem xmlns:p16="http://schemas.microsoft.com/office/powerpoint/2015/main" val="1"/>
+              </p:ext>
+            </p:extLst>
+          </p:nvPr>
+        </p:nvSpPr>
+        <p:spPr bwMode="gray">
+          <a:xfrm>
+            <a:off x="0" y="1587"/>
+            <a:ext cx="12192000" cy="6856413"/>
+          </a:xfrm>
+          <a:custGeom>
+            <a:avLst/>
+            <a:gdLst/>
+            <a:ahLst/>
+            <a:cxnLst/>
+            <a:rect l="0" t="0" r="r" b="b"/>
+            <a:pathLst>
+              <a:path w="15356" h="8638">
+                <a:moveTo>
+                  <a:pt x="0" y="0"/>
+                </a:moveTo>
+                <a:lnTo>
+                  <a:pt x="0" y="8638"/>
+                </a:lnTo>
+                <a:lnTo>
+                  <a:pt x="15356" y="8638"/>
+                </a:lnTo>
+                <a:lnTo>
+                  <a:pt x="15356" y="0"/>
+                </a:lnTo>
+                <a:lnTo>
+                  <a:pt x="0" y="0"/>
+                </a:lnTo>
+                <a:close/>
+                <a:moveTo>
+                  <a:pt x="14748" y="8038"/>
+                </a:moveTo>
+                <a:lnTo>
+                  <a:pt x="600" y="8038"/>
+                </a:lnTo>
+                <a:lnTo>
+                  <a:pt x="600" y="592"/>
+                </a:lnTo>
+                <a:lnTo>
+                  <a:pt x="14748" y="592"/>
+                </a:lnTo>
+                <a:lnTo>
+                  <a:pt x="14748" y="8038"/>
+                </a:lnTo>
+                <a:close/>
+              </a:path>
+            </a:pathLst>
+          </a:custGeom>
+          <a:solidFill>
+            <a:schemeClr val="tx1"/>
+          </a:solidFill>
+          <a:ln>
+            <a:noFill/>
+          </a:ln>
+        </p:spPr>
+      </p:sp>
+      <p:sp>
+        <p:nvSpPr>
+          <p:cNvPr id="2" name="Title 1">
+            <a:extLst>
+              <a:ext uri="{FF2B5EF4-FFF2-40B4-BE49-F238E27FC236}">
+                <a16:creationId xmlns:a16="http://schemas.microsoft.com/office/drawing/2014/main" id="{6B26377E-EE3A-9E4E-B316-37B68F8553B3}"/>
+              </a:ext>
+            </a:extLst>
+          </p:cNvPr>
+          <p:cNvSpPr>
+            <a:spLocks noGrp="1"/>
+          </p:cNvSpPr>
+          <p:nvPr>
+            <p:ph type="title"/>
+          </p:nvPr>
+        </p:nvSpPr>
+        <p:spPr>
+          <a:xfrm>
+            <a:off x="639098" y="629265"/>
+            <a:ext cx="5132438" cy="1622322"/>
+          </a:xfrm>
+        </p:spPr>
+        <p:txBody>
+          <a:bodyPr>
+            <a:normAutofit/>
+          </a:bodyPr>
+          <a:lstStyle/>
+          <a:p>
+            <a:r>
+              <a:rPr lang="en-US">
+                <a:solidFill>
+                  <a:srgbClr val="EBEBEB"/>
+                </a:solidFill>
+              </a:rPr>
+              <a:t>Secret Protection</a:t>
+            </a:r>
+          </a:p>
+        </p:txBody>
+      </p:sp>
+      <p:pic>
+        <p:nvPicPr>
+          <p:cNvPr id="4" name="Picture 3">
+            <a:extLst>
+              <a:ext uri="{FF2B5EF4-FFF2-40B4-BE49-F238E27FC236}">
+                <a16:creationId xmlns:a16="http://schemas.microsoft.com/office/drawing/2014/main" id="{F5DB889A-52E2-FA4B-85C8-7F77B801E438}"/>
+              </a:ext>
+            </a:extLst>
+          </p:cNvPr>
+          <p:cNvPicPr>
+            <a:picLocks noChangeAspect="1"/>
+          </p:cNvPicPr>
+          <p:nvPr/>
+        </p:nvPicPr>
+        <p:blipFill>
+          <a:blip r:embed="rId2"/>
+          <a:stretch>
+            <a:fillRect/>
+          </a:stretch>
+        </p:blipFill>
+        <p:spPr>
+          <a:xfrm>
+            <a:off x="6714836" y="834713"/>
+            <a:ext cx="4828707" cy="5206154"/>
+          </a:xfrm>
+          <a:prstGeom prst="rect">
+            <a:avLst/>
+          </a:prstGeom>
+        </p:spPr>
+      </p:pic>
+      <p:sp>
+        <p:nvSpPr>
+          <p:cNvPr id="17" name="Rectangle 16">
+            <a:extLst>
+              <a:ext uri="{FF2B5EF4-FFF2-40B4-BE49-F238E27FC236}">
+                <a16:creationId xmlns:a16="http://schemas.microsoft.com/office/drawing/2014/main" id="{538A90C8-AE0E-4EBA-9AF8-EEDB206020E0}"/>
+              </a:ext>
+              <a:ext uri="{C183D7F6-B498-43B3-948B-1728B52AA6E4}">
+                <adec:decorative xmlns:adec="http://schemas.microsoft.com/office/drawing/2017/decorative" val="1"/>
+              </a:ext>
+            </a:extLst>
+          </p:cNvPr>
+          <p:cNvSpPr>
+            <a:spLocks noGrp="1" noRot="1" noChangeAspect="1" noMove="1" noResize="1" noEditPoints="1" noAdjustHandles="1" noChangeArrowheads="1" noChangeShapeType="1" noTextEdit="1"/>
+          </p:cNvSpPr>
+          <p:nvPr>
+            <p:extLst>
+              <p:ext uri="{386F3935-93C4-4BCD-93E2-E3B085C9AB24}">
+                <p16:designElem xmlns:p16="http://schemas.microsoft.com/office/powerpoint/2015/main" val="1"/>
+              </p:ext>
+            </p:extLst>
+          </p:nvPr>
+        </p:nvSpPr>
+        <p:spPr>
+          <a:xfrm>
+            <a:off x="10437812" y="0"/>
+            <a:ext cx="685800" cy="1143000"/>
+          </a:xfrm>
+          <a:prstGeom prst="rect">
+            <a:avLst/>
+          </a:prstGeom>
+          <a:solidFill>
+            <a:schemeClr val="accent1"/>
+          </a:solidFill>
+          <a:ln>
+            <a:noFill/>
+          </a:ln>
+        </p:spPr>
+        <p:style>
+          <a:lnRef idx="1">
+            <a:schemeClr val="accent1"/>
+          </a:lnRef>
+          <a:fillRef idx="3">
+            <a:schemeClr val="accent1"/>
+          </a:fillRef>
+          <a:effectRef idx="2">
+            <a:schemeClr val="accent1"/>
+          </a:effectRef>
+          <a:fontRef idx="minor">
+            <a:schemeClr val="lt1"/>
+          </a:fontRef>
+        </p:style>
+      </p:sp>
+      <p:sp>
+        <p:nvSpPr>
+          <p:cNvPr id="3" name="Content Placeholder 2">
+            <a:extLst>
+              <a:ext uri="{FF2B5EF4-FFF2-40B4-BE49-F238E27FC236}">
+                <a16:creationId xmlns:a16="http://schemas.microsoft.com/office/drawing/2014/main" id="{A3638211-34AF-B542-BA0D-D7C8E7EDD90A}"/>
+              </a:ext>
+            </a:extLst>
+          </p:cNvPr>
+          <p:cNvSpPr>
+            <a:spLocks noGrp="1"/>
+          </p:cNvSpPr>
+          <p:nvPr>
+            <p:ph idx="1"/>
+          </p:nvPr>
+        </p:nvSpPr>
+        <p:spPr>
+          <a:xfrm>
+            <a:off x="639098" y="2418735"/>
+            <a:ext cx="5132439" cy="3811742"/>
+          </a:xfrm>
+        </p:spPr>
+        <p:txBody>
+          <a:bodyPr anchor="ctr">
+            <a:normAutofit/>
+          </a:bodyPr>
+          <a:lstStyle/>
+          <a:p>
+            <a:r>
+              <a:rPr lang="en-US">
+                <a:solidFill>
+                  <a:srgbClr val="FFFFFF"/>
+                </a:solidFill>
+              </a:rPr>
+              <a:t>Secrets should never be stored in a source code repository</a:t>
+            </a:r>
+          </a:p>
+          <a:p>
+            <a:r>
+              <a:rPr lang="en-US">
+                <a:solidFill>
+                  <a:srgbClr val="FFFFFF"/>
+                </a:solidFill>
+              </a:rPr>
+              <a:t>Typically passed into an application via a credentials file, or environment variables</a:t>
+            </a:r>
+          </a:p>
+          <a:p>
+            <a:r>
+              <a:rPr lang="en-US">
+                <a:solidFill>
+                  <a:srgbClr val="FFFFFF"/>
+                </a:solidFill>
+              </a:rPr>
+              <a:t>If using Kubernetes, integrations with products like Hashicorp Vault are an excellent option</a:t>
+            </a:r>
+          </a:p>
+        </p:txBody>
+      </p:sp>
+    </p:spTree>
+    <p:extLst>
+      <p:ext uri="{BB962C8B-B14F-4D97-AF65-F5344CB8AC3E}">
+        <p14:creationId xmlns:p14="http://schemas.microsoft.com/office/powerpoint/2010/main" val="1132925011"/>
+      </p:ext>
+    </p:extLst>
+  </p:cSld>
+  <p:clrMapOvr>
+    <a:overrideClrMapping bg1="dk1" tx1="lt1" bg2="dk2" tx2="lt2" accent1="accent1" accent2="accent2" accent3="accent3" accent4="accent4" accent5="accent5" accent6="accent6" hlink="hlink" folHlink="folHlink"/>
   </p:clrMapOvr>
 </p:sld>
 </file>
@@ -15445,6 +16435,351 @@
     <p:extLst>
       <p:ext uri="{BB962C8B-B14F-4D97-AF65-F5344CB8AC3E}">
         <p14:creationId xmlns:p14="http://schemas.microsoft.com/office/powerpoint/2010/main" val="2984520948"/>
+      </p:ext>
+    </p:extLst>
+  </p:cSld>
+  <p:clrMapOvr>
+    <a:masterClrMapping/>
+  </p:clrMapOvr>
+</p:sld>
+</file>
+
+<file path=ppt/slides/slide20.xml><?xml version="1.0" encoding="utf-8"?>
+<p:sld xmlns:a="http://schemas.openxmlformats.org/drawingml/2006/main" xmlns:r="http://schemas.openxmlformats.org/officeDocument/2006/relationships" xmlns:p="http://schemas.openxmlformats.org/presentationml/2006/main">
+  <p:cSld>
+    <p:spTree>
+      <p:nvGrpSpPr>
+        <p:cNvPr id="1" name=""/>
+        <p:cNvGrpSpPr/>
+        <p:nvPr/>
+      </p:nvGrpSpPr>
+      <p:grpSpPr>
+        <a:xfrm>
+          <a:off x="0" y="0"/>
+          <a:ext cx="0" cy="0"/>
+          <a:chOff x="0" y="0"/>
+          <a:chExt cx="0" cy="0"/>
+        </a:xfrm>
+      </p:grpSpPr>
+      <p:sp>
+        <p:nvSpPr>
+          <p:cNvPr id="2" name="Title 1">
+            <a:extLst>
+              <a:ext uri="{FF2B5EF4-FFF2-40B4-BE49-F238E27FC236}">
+                <a16:creationId xmlns:a16="http://schemas.microsoft.com/office/drawing/2014/main" id="{39211F86-05F3-9245-9B02-3F2FA7867CB2}"/>
+              </a:ext>
+            </a:extLst>
+          </p:cNvPr>
+          <p:cNvSpPr>
+            <a:spLocks noGrp="1"/>
+          </p:cNvSpPr>
+          <p:nvPr>
+            <p:ph type="title"/>
+          </p:nvPr>
+        </p:nvSpPr>
+        <p:spPr/>
+        <p:txBody>
+          <a:bodyPr/>
+          <a:lstStyle/>
+          <a:p>
+            <a:r>
+              <a:rPr lang="en-US" dirty="0"/>
+              <a:t>Denial of Service</a:t>
+            </a:r>
+          </a:p>
+        </p:txBody>
+      </p:sp>
+      <p:sp>
+        <p:nvSpPr>
+          <p:cNvPr id="3" name="Content Placeholder 2">
+            <a:extLst>
+              <a:ext uri="{FF2B5EF4-FFF2-40B4-BE49-F238E27FC236}">
+                <a16:creationId xmlns:a16="http://schemas.microsoft.com/office/drawing/2014/main" id="{3BA4064F-0C62-6047-8336-A09B42CA79DE}"/>
+              </a:ext>
+            </a:extLst>
+          </p:cNvPr>
+          <p:cNvSpPr>
+            <a:spLocks noGrp="1"/>
+          </p:cNvSpPr>
+          <p:nvPr>
+            <p:ph idx="1"/>
+          </p:nvPr>
+        </p:nvSpPr>
+        <p:spPr/>
+        <p:txBody>
+          <a:bodyPr/>
+          <a:lstStyle/>
+          <a:p>
+            <a:r>
+              <a:rPr lang="en-US" dirty="0"/>
+              <a:t>Use cheap validation first</a:t>
+            </a:r>
+          </a:p>
+          <a:p>
+            <a:r>
+              <a:rPr lang="en-US" dirty="0"/>
+              <a:t>Push long running tasks to asynchronous queues</a:t>
+            </a:r>
+          </a:p>
+          <a:p>
+            <a:r>
+              <a:rPr lang="en-US" dirty="0"/>
+              <a:t>Use threading when possible</a:t>
+            </a:r>
+          </a:p>
+          <a:p>
+            <a:r>
+              <a:rPr lang="en-US" dirty="0"/>
+              <a:t>Limit request size</a:t>
+            </a:r>
+          </a:p>
+          <a:p>
+            <a:r>
+              <a:rPr lang="en-US" dirty="0"/>
+              <a:t>Limit number of requests in a given period of time</a:t>
+            </a:r>
+          </a:p>
+        </p:txBody>
+      </p:sp>
+    </p:spTree>
+    <p:extLst>
+      <p:ext uri="{BB962C8B-B14F-4D97-AF65-F5344CB8AC3E}">
+        <p14:creationId xmlns:p14="http://schemas.microsoft.com/office/powerpoint/2010/main" val="2450770029"/>
+      </p:ext>
+    </p:extLst>
+  </p:cSld>
+  <p:clrMapOvr>
+    <a:masterClrMapping/>
+  </p:clrMapOvr>
+</p:sld>
+</file>
+
+<file path=ppt/slides/slide21.xml><?xml version="1.0" encoding="utf-8"?>
+<p:sld xmlns:a="http://schemas.openxmlformats.org/drawingml/2006/main" xmlns:r="http://schemas.openxmlformats.org/officeDocument/2006/relationships" xmlns:p="http://schemas.openxmlformats.org/presentationml/2006/main">
+  <p:cSld>
+    <p:spTree>
+      <p:nvGrpSpPr>
+        <p:cNvPr id="1" name=""/>
+        <p:cNvGrpSpPr/>
+        <p:nvPr/>
+      </p:nvGrpSpPr>
+      <p:grpSpPr>
+        <a:xfrm>
+          <a:off x="0" y="0"/>
+          <a:ext cx="0" cy="0"/>
+          <a:chOff x="0" y="0"/>
+          <a:chExt cx="0" cy="0"/>
+        </a:xfrm>
+      </p:grpSpPr>
+      <p:sp>
+        <p:nvSpPr>
+          <p:cNvPr id="2" name="Title 1">
+            <a:extLst>
+              <a:ext uri="{FF2B5EF4-FFF2-40B4-BE49-F238E27FC236}">
+                <a16:creationId xmlns:a16="http://schemas.microsoft.com/office/drawing/2014/main" id="{4C758950-FC26-AB48-9637-F9074CA202C8}"/>
+              </a:ext>
+            </a:extLst>
+          </p:cNvPr>
+          <p:cNvSpPr>
+            <a:spLocks noGrp="1"/>
+          </p:cNvSpPr>
+          <p:nvPr>
+            <p:ph type="title"/>
+          </p:nvPr>
+        </p:nvSpPr>
+        <p:spPr/>
+        <p:txBody>
+          <a:bodyPr/>
+          <a:lstStyle/>
+          <a:p>
+            <a:r>
+              <a:rPr lang="en-US" dirty="0"/>
+              <a:t>REST Security</a:t>
+            </a:r>
+          </a:p>
+        </p:txBody>
+      </p:sp>
+      <p:sp>
+        <p:nvSpPr>
+          <p:cNvPr id="3" name="Content Placeholder 2">
+            <a:extLst>
+              <a:ext uri="{FF2B5EF4-FFF2-40B4-BE49-F238E27FC236}">
+                <a16:creationId xmlns:a16="http://schemas.microsoft.com/office/drawing/2014/main" id="{78D1A54F-F322-D04B-896F-20C6CFE1EB91}"/>
+              </a:ext>
+            </a:extLst>
+          </p:cNvPr>
+          <p:cNvSpPr>
+            <a:spLocks noGrp="1"/>
+          </p:cNvSpPr>
+          <p:nvPr>
+            <p:ph idx="1"/>
+          </p:nvPr>
+        </p:nvSpPr>
+        <p:spPr/>
+        <p:txBody>
+          <a:bodyPr/>
+          <a:lstStyle/>
+          <a:p>
+            <a:r>
+              <a:rPr lang="en-US" dirty="0"/>
+              <a:t>Do not expose sensitive information in the request URL</a:t>
+            </a:r>
+          </a:p>
+          <a:p>
+            <a:pPr lvl="1"/>
+            <a:r>
+              <a:rPr lang="en-US" dirty="0"/>
+              <a:t>Store in either the header of the request, or a body</a:t>
+            </a:r>
+          </a:p>
+          <a:p>
+            <a:r>
+              <a:rPr lang="en-US" dirty="0"/>
+              <a:t>Make proper usage of security headers, such as a Content Security Policy and CORS</a:t>
+            </a:r>
+          </a:p>
+          <a:p>
+            <a:r>
+              <a:rPr lang="en-US" dirty="0"/>
+              <a:t>Do not expose management endpoints over the internet unless absolutely necessary</a:t>
+            </a:r>
+          </a:p>
+          <a:p>
+            <a:r>
+              <a:rPr lang="en-US" dirty="0"/>
+              <a:t>Define allowed content types</a:t>
+            </a:r>
+          </a:p>
+          <a:p>
+            <a:r>
+              <a:rPr lang="en-US" dirty="0"/>
+              <a:t>Always usage some form of authentication, if for no other reason than to allow for rate limiting</a:t>
+            </a:r>
+          </a:p>
+        </p:txBody>
+      </p:sp>
+    </p:spTree>
+    <p:extLst>
+      <p:ext uri="{BB962C8B-B14F-4D97-AF65-F5344CB8AC3E}">
+        <p14:creationId xmlns:p14="http://schemas.microsoft.com/office/powerpoint/2010/main" val="864233533"/>
+      </p:ext>
+    </p:extLst>
+  </p:cSld>
+  <p:clrMapOvr>
+    <a:masterClrMapping/>
+  </p:clrMapOvr>
+</p:sld>
+</file>
+
+<file path=ppt/slides/slide22.xml><?xml version="1.0" encoding="utf-8"?>
+<p:sld xmlns:a="http://schemas.openxmlformats.org/drawingml/2006/main" xmlns:r="http://schemas.openxmlformats.org/officeDocument/2006/relationships" xmlns:p="http://schemas.openxmlformats.org/presentationml/2006/main">
+  <p:cSld>
+    <p:spTree>
+      <p:nvGrpSpPr>
+        <p:cNvPr id="1" name=""/>
+        <p:cNvGrpSpPr/>
+        <p:nvPr/>
+      </p:nvGrpSpPr>
+      <p:grpSpPr>
+        <a:xfrm>
+          <a:off x="0" y="0"/>
+          <a:ext cx="0" cy="0"/>
+          <a:chOff x="0" y="0"/>
+          <a:chExt cx="0" cy="0"/>
+        </a:xfrm>
+      </p:grpSpPr>
+      <p:sp>
+        <p:nvSpPr>
+          <p:cNvPr id="2" name="Title 1">
+            <a:extLst>
+              <a:ext uri="{FF2B5EF4-FFF2-40B4-BE49-F238E27FC236}">
+                <a16:creationId xmlns:a16="http://schemas.microsoft.com/office/drawing/2014/main" id="{01E67335-C452-D749-83CC-A574F8D94B52}"/>
+              </a:ext>
+            </a:extLst>
+          </p:cNvPr>
+          <p:cNvSpPr>
+            <a:spLocks noGrp="1"/>
+          </p:cNvSpPr>
+          <p:nvPr>
+            <p:ph type="title"/>
+          </p:nvPr>
+        </p:nvSpPr>
+        <p:spPr/>
+        <p:txBody>
+          <a:bodyPr/>
+          <a:lstStyle/>
+          <a:p>
+            <a:r>
+              <a:rPr lang="en-US" dirty="0"/>
+              <a:t>Database Security</a:t>
+            </a:r>
+          </a:p>
+        </p:txBody>
+      </p:sp>
+      <p:sp>
+        <p:nvSpPr>
+          <p:cNvPr id="3" name="Content Placeholder 2">
+            <a:extLst>
+              <a:ext uri="{FF2B5EF4-FFF2-40B4-BE49-F238E27FC236}">
+                <a16:creationId xmlns:a16="http://schemas.microsoft.com/office/drawing/2014/main" id="{7C90F5EF-8743-E04B-8F87-C3F80325B163}"/>
+              </a:ext>
+            </a:extLst>
+          </p:cNvPr>
+          <p:cNvSpPr>
+            <a:spLocks noGrp="1"/>
+          </p:cNvSpPr>
+          <p:nvPr>
+            <p:ph idx="1"/>
+          </p:nvPr>
+        </p:nvSpPr>
+        <p:spPr/>
+        <p:txBody>
+          <a:bodyPr/>
+          <a:lstStyle/>
+          <a:p>
+            <a:r>
+              <a:rPr lang="en-US" dirty="0"/>
+              <a:t>Clients should never connect to a remote database</a:t>
+            </a:r>
+          </a:p>
+          <a:p>
+            <a:pPr lvl="1"/>
+            <a:r>
+              <a:rPr lang="en-US" dirty="0"/>
+              <a:t>All connections should be done through an intermediary API</a:t>
+            </a:r>
+          </a:p>
+          <a:p>
+            <a:r>
+              <a:rPr lang="en-US" dirty="0"/>
+              <a:t>Database should allow only encrypted connections over a network</a:t>
+            </a:r>
+          </a:p>
+          <a:p>
+            <a:r>
+              <a:rPr lang="en-US" dirty="0"/>
+              <a:t>Database should require authenticated users</a:t>
+            </a:r>
+          </a:p>
+          <a:p>
+            <a:r>
+              <a:rPr lang="en-US" dirty="0"/>
+              <a:t>An application using a database should only have minimum necessary permissions</a:t>
+            </a:r>
+          </a:p>
+          <a:p>
+            <a:pPr lvl="1"/>
+            <a:r>
+              <a:rPr lang="en-US" dirty="0"/>
+              <a:t>Typically, two accounts are configured for an application to access the database. One has higher permissions, but is only used to create tables are startup, and the other does not have permissions to add/delete tables, and is used for “everyday” usage</a:t>
+            </a:r>
+          </a:p>
+        </p:txBody>
+      </p:sp>
+    </p:spTree>
+    <p:extLst>
+      <p:ext uri="{BB962C8B-B14F-4D97-AF65-F5344CB8AC3E}">
+        <p14:creationId xmlns:p14="http://schemas.microsoft.com/office/powerpoint/2010/main" val="3917114505"/>
       </p:ext>
     </p:extLst>
   </p:cSld>

--- a/lessons/Fundamental_Concepts_of_AppSec/AppSecLecture.pptx
+++ b/lessons/Fundamental_Concepts_of_AppSec/AppSecLecture.pptx
@@ -14,19 +14,18 @@
     <p:sldId id="258" r:id="rId8"/>
     <p:sldId id="261" r:id="rId9"/>
     <p:sldId id="259" r:id="rId10"/>
-    <p:sldId id="265" r:id="rId11"/>
-    <p:sldId id="266" r:id="rId12"/>
-    <p:sldId id="260" r:id="rId13"/>
-    <p:sldId id="264" r:id="rId14"/>
-    <p:sldId id="267" r:id="rId15"/>
-    <p:sldId id="270" r:id="rId16"/>
-    <p:sldId id="271" r:id="rId17"/>
-    <p:sldId id="272" r:id="rId18"/>
-    <p:sldId id="277" r:id="rId19"/>
-    <p:sldId id="275" r:id="rId20"/>
-    <p:sldId id="276" r:id="rId21"/>
-    <p:sldId id="273" r:id="rId22"/>
-    <p:sldId id="274" r:id="rId23"/>
+    <p:sldId id="266" r:id="rId11"/>
+    <p:sldId id="260" r:id="rId12"/>
+    <p:sldId id="264" r:id="rId13"/>
+    <p:sldId id="267" r:id="rId14"/>
+    <p:sldId id="270" r:id="rId15"/>
+    <p:sldId id="271" r:id="rId16"/>
+    <p:sldId id="272" r:id="rId17"/>
+    <p:sldId id="277" r:id="rId18"/>
+    <p:sldId id="275" r:id="rId19"/>
+    <p:sldId id="276" r:id="rId20"/>
+    <p:sldId id="273" r:id="rId21"/>
+    <p:sldId id="274" r:id="rId22"/>
   </p:sldIdLst>
   <p:sldSz cx="12192000" cy="6858000"/>
   <p:notesSz cx="6858000" cy="9144000"/>
@@ -13306,7 +13305,7 @@
       </p:grpSpPr>
       <p:grpSp>
         <p:nvGrpSpPr>
-          <p:cNvPr id="9" name="Group 8">
+          <p:cNvPr id="55" name="Group 54">
             <a:extLst>
               <a:ext uri="{FF2B5EF4-FFF2-40B4-BE49-F238E27FC236}">
                 <a16:creationId xmlns:a16="http://schemas.microsoft.com/office/drawing/2014/main" id="{4091D54B-59AB-4A5E-8E9E-0421BD66D4FB}"/>
@@ -13337,7 +13336,7 @@
         </p:grpSpPr>
         <p:sp>
           <p:nvSpPr>
-            <p:cNvPr id="10" name="Rectangle 9">
+            <p:cNvPr id="56" name="Rectangle 55">
               <a:extLst>
                 <a:ext uri="{FF2B5EF4-FFF2-40B4-BE49-F238E27FC236}">
                   <a16:creationId xmlns:a16="http://schemas.microsoft.com/office/drawing/2014/main" id="{547CE62E-FFFD-4A1F-BA78-C3B89C36FCA5}"/>
@@ -13407,7 +13406,7 @@
         </p:sp>
         <p:sp>
           <p:nvSpPr>
-            <p:cNvPr id="11" name="Freeform 5">
+            <p:cNvPr id="57" name="Freeform 5">
               <a:extLst>
                 <a:ext uri="{FF2B5EF4-FFF2-40B4-BE49-F238E27FC236}">
                   <a16:creationId xmlns:a16="http://schemas.microsoft.com/office/drawing/2014/main" id="{AE51FD27-6B6A-4D21-BF22-245DA9BD0B3E}"/>
@@ -13487,7 +13486,7 @@
       </p:grpSp>
       <p:sp>
         <p:nvSpPr>
-          <p:cNvPr id="13" name="Rectangle 12">
+          <p:cNvPr id="59" name="Rectangle 58">
             <a:extLst>
               <a:ext uri="{FF2B5EF4-FFF2-40B4-BE49-F238E27FC236}">
                 <a16:creationId xmlns:a16="http://schemas.microsoft.com/office/drawing/2014/main" id="{B8144315-1C5A-4185-A952-25D98D303D46}"/>
@@ -13540,10 +13539,10 @@
       </p:sp>
       <p:sp>
         <p:nvSpPr>
-          <p:cNvPr id="15" name="Freeform 5">
+          <p:cNvPr id="61" name="Freeform 5">
             <a:extLst>
               <a:ext uri="{FF2B5EF4-FFF2-40B4-BE49-F238E27FC236}">
-                <a16:creationId xmlns:a16="http://schemas.microsoft.com/office/drawing/2014/main" id="{31D248D0-90D8-4EAF-84EE-DA3868518829}"/>
+                <a16:creationId xmlns:a16="http://schemas.microsoft.com/office/drawing/2014/main" id="{11CAC6F2-0806-417B-BF5D-5AEF6195FA49}"/>
               </a:ext>
               <a:ext uri="{C183D7F6-B498-43B3-948B-1728B52AA6E4}">
                 <adec:decorative xmlns:adec="http://schemas.microsoft.com/office/drawing/2017/decorative" val="1"/>
@@ -13619,98 +13618,10 @@
       </p:sp>
       <p:sp>
         <p:nvSpPr>
-          <p:cNvPr id="2" name="Title 1">
+          <p:cNvPr id="63" name="Rectangle 62">
             <a:extLst>
               <a:ext uri="{FF2B5EF4-FFF2-40B4-BE49-F238E27FC236}">
-                <a16:creationId xmlns:a16="http://schemas.microsoft.com/office/drawing/2014/main" id="{E69BB591-E094-4A47-B2BB-0642F2A04DD4}"/>
-              </a:ext>
-            </a:extLst>
-          </p:cNvPr>
-          <p:cNvSpPr>
-            <a:spLocks noGrp="1"/>
-          </p:cNvSpPr>
-          <p:nvPr>
-            <p:ph type="title"/>
-          </p:nvPr>
-        </p:nvSpPr>
-        <p:spPr>
-          <a:xfrm>
-            <a:off x="649976" y="3739568"/>
-            <a:ext cx="10893094" cy="1915940"/>
-          </a:xfrm>
-        </p:spPr>
-        <p:txBody>
-          <a:bodyPr vert="horz" lIns="91440" tIns="45720" rIns="91440" bIns="45720" rtlCol="0" anchor="b">
-            <a:normAutofit/>
-          </a:bodyPr>
-          <a:lstStyle/>
-          <a:p>
-            <a:pPr algn="ctr">
-              <a:lnSpc>
-                <a:spcPct val="90000"/>
-              </a:lnSpc>
-            </a:pPr>
-            <a:r>
-              <a:rPr lang="en-US" sz="6600" b="0" i="0" kern="1200">
-                <a:solidFill>
-                  <a:srgbClr val="EBEBEB"/>
-                </a:solidFill>
-                <a:latin typeface="+mj-lt"/>
-                <a:ea typeface="+mj-ea"/>
-                <a:cs typeface="+mj-cs"/>
-              </a:rPr>
-              <a:t>Handling Authorization with Hashing</a:t>
-            </a:r>
-          </a:p>
-        </p:txBody>
-      </p:sp>
-      <p:pic>
-        <p:nvPicPr>
-          <p:cNvPr id="4" name="Content Placeholder 3">
-            <a:extLst>
-              <a:ext uri="{FF2B5EF4-FFF2-40B4-BE49-F238E27FC236}">
-                <a16:creationId xmlns:a16="http://schemas.microsoft.com/office/drawing/2014/main" id="{D812EC64-76C3-AE45-A159-C3D53E2FA290}"/>
-              </a:ext>
-            </a:extLst>
-          </p:cNvPr>
-          <p:cNvPicPr>
-            <a:picLocks noGrp="1" noChangeAspect="1"/>
-          </p:cNvPicPr>
-          <p:nvPr>
-            <p:ph idx="1"/>
-          </p:nvPr>
-        </p:nvPicPr>
-        <p:blipFill>
-          <a:blip r:embed="rId3"/>
-          <a:stretch>
-            <a:fillRect/>
-          </a:stretch>
-        </p:blipFill>
-        <p:spPr>
-          <a:xfrm>
-            <a:off x="2233496" y="1044962"/>
-            <a:ext cx="7715176" cy="2295264"/>
-          </a:xfrm>
-          <a:prstGeom prst="roundRect">
-            <a:avLst>
-              <a:gd name="adj" fmla="val 1858"/>
-            </a:avLst>
-          </a:prstGeom>
-          <a:effectLst>
-            <a:outerShdw blurRad="50800" dist="50800" dir="5400000" algn="tl" rotWithShape="0">
-              <a:srgbClr val="000000">
-                <a:alpha val="43000"/>
-              </a:srgbClr>
-            </a:outerShdw>
-          </a:effectLst>
-        </p:spPr>
-      </p:pic>
-      <p:sp>
-        <p:nvSpPr>
-          <p:cNvPr id="17" name="Rectangle 16">
-            <a:extLst>
-              <a:ext uri="{FF2B5EF4-FFF2-40B4-BE49-F238E27FC236}">
-                <a16:creationId xmlns:a16="http://schemas.microsoft.com/office/drawing/2014/main" id="{0775805F-9E56-4330-9EA3-04D38DCEC3F1}"/>
+                <a16:creationId xmlns:a16="http://schemas.microsoft.com/office/drawing/2014/main" id="{D4723B02-0AAB-4F6E-BA41-8ED99D559D93}"/>
               </a:ext>
               <a:ext uri="{C183D7F6-B498-43B3-948B-1728B52AA6E4}">
                 <adec:decorative xmlns:adec="http://schemas.microsoft.com/office/drawing/2017/decorative" val="1"/>
@@ -13758,392 +13669,6 @@
           </a:fontRef>
         </p:style>
       </p:sp>
-    </p:spTree>
-    <p:extLst>
-      <p:ext uri="{BB962C8B-B14F-4D97-AF65-F5344CB8AC3E}">
-        <p14:creationId xmlns:p14="http://schemas.microsoft.com/office/powerpoint/2010/main" val="1767902103"/>
-      </p:ext>
-    </p:extLst>
-  </p:cSld>
-  <p:clrMapOvr>
-    <a:overrideClrMapping bg1="dk1" tx1="lt1" bg2="dk2" tx2="lt2" accent1="accent1" accent2="accent2" accent3="accent3" accent4="accent4" accent5="accent5" accent6="accent6" hlink="hlink" folHlink="folHlink"/>
-  </p:clrMapOvr>
-</p:sld>
-</file>
-
-<file path=ppt/slides/slide11.xml><?xml version="1.0" encoding="utf-8"?>
-<p:sld xmlns:a="http://schemas.openxmlformats.org/drawingml/2006/main" xmlns:r="http://schemas.openxmlformats.org/officeDocument/2006/relationships" xmlns:p="http://schemas.openxmlformats.org/presentationml/2006/main">
-  <p:cSld>
-    <p:bg>
-      <p:bgPr>
-        <a:solidFill>
-          <a:schemeClr val="bg1"/>
-        </a:solidFill>
-        <a:effectLst/>
-      </p:bgPr>
-    </p:bg>
-    <p:spTree>
-      <p:nvGrpSpPr>
-        <p:cNvPr id="1" name=""/>
-        <p:cNvGrpSpPr/>
-        <p:nvPr/>
-      </p:nvGrpSpPr>
-      <p:grpSpPr>
-        <a:xfrm>
-          <a:off x="0" y="0"/>
-          <a:ext cx="0" cy="0"/>
-          <a:chOff x="0" y="0"/>
-          <a:chExt cx="0" cy="0"/>
-        </a:xfrm>
-      </p:grpSpPr>
-      <p:grpSp>
-        <p:nvGrpSpPr>
-          <p:cNvPr id="9" name="Group 8">
-            <a:extLst>
-              <a:ext uri="{FF2B5EF4-FFF2-40B4-BE49-F238E27FC236}">
-                <a16:creationId xmlns:a16="http://schemas.microsoft.com/office/drawing/2014/main" id="{6503EB0F-2257-4A3E-A73B-E1DE769B459F}"/>
-              </a:ext>
-              <a:ext uri="{C183D7F6-B498-43B3-948B-1728B52AA6E4}">
-                <adec:decorative xmlns:adec="http://schemas.microsoft.com/office/drawing/2017/decorative" val="1"/>
-              </a:ext>
-            </a:extLst>
-          </p:cNvPr>
-          <p:cNvGrpSpPr>
-            <a:grpSpLocks noGrp="1" noUngrp="1" noRot="1" noChangeAspect="1" noMove="1" noResize="1"/>
-          </p:cNvGrpSpPr>
-          <p:nvPr>
-            <p:extLst>
-              <p:ext uri="{386F3935-93C4-4BCD-93E2-E3B085C9AB24}">
-                <p16:designElem xmlns:p16="http://schemas.microsoft.com/office/powerpoint/2015/main" val="1"/>
-              </p:ext>
-            </p:extLst>
-          </p:nvPr>
-        </p:nvGrpSpPr>
-        <p:grpSpPr>
-          <a:xfrm>
-            <a:off x="0" y="0"/>
-            <a:ext cx="12192000" cy="6858000"/>
-            <a:chOff x="0" y="0"/>
-            <a:chExt cx="12192000" cy="6858000"/>
-          </a:xfrm>
-        </p:grpSpPr>
-        <p:sp>
-          <p:nvSpPr>
-            <p:cNvPr id="10" name="Rectangle 9">
-              <a:extLst>
-                <a:ext uri="{FF2B5EF4-FFF2-40B4-BE49-F238E27FC236}">
-                  <a16:creationId xmlns:a16="http://schemas.microsoft.com/office/drawing/2014/main" id="{77012B2A-0D78-433A-8C68-8889D3DCDDAF}"/>
-                </a:ext>
-                <a:ext uri="{C183D7F6-B498-43B3-948B-1728B52AA6E4}">
-                  <adec:decorative xmlns:adec="http://schemas.microsoft.com/office/drawing/2017/decorative" val="1"/>
-                </a:ext>
-              </a:extLst>
-            </p:cNvPr>
-            <p:cNvSpPr/>
-            <p:nvPr>
-              <p:extLst>
-                <p:ext uri="{386F3935-93C4-4BCD-93E2-E3B085C9AB24}">
-                  <p16:designElem xmlns:p16="http://schemas.microsoft.com/office/powerpoint/2015/main" val="1"/>
-                </p:ext>
-              </p:extLst>
-            </p:nvPr>
-          </p:nvSpPr>
-          <p:spPr>
-            <a:xfrm>
-              <a:off x="0" y="0"/>
-              <a:ext cx="12192000" cy="6858000"/>
-            </a:xfrm>
-            <a:prstGeom prst="rect">
-              <a:avLst/>
-            </a:prstGeom>
-            <a:blipFill>
-              <a:blip r:embed="rId2">
-                <a:duotone>
-                  <a:schemeClr val="dk2">
-                    <a:shade val="69000"/>
-                    <a:hueMod val="91000"/>
-                    <a:satMod val="164000"/>
-                    <a:lumMod val="74000"/>
-                  </a:schemeClr>
-                  <a:schemeClr val="dk2">
-                    <a:hueMod val="124000"/>
-                    <a:satMod val="140000"/>
-                    <a:lumMod val="142000"/>
-                  </a:schemeClr>
-                </a:duotone>
-              </a:blip>
-              <a:stretch>
-                <a:fillRect/>
-              </a:stretch>
-            </a:blipFill>
-            <a:ln>
-              <a:noFill/>
-            </a:ln>
-          </p:spPr>
-          <p:style>
-            <a:lnRef idx="2">
-              <a:schemeClr val="accent1">
-                <a:shade val="50000"/>
-              </a:schemeClr>
-            </a:lnRef>
-            <a:fillRef idx="1">
-              <a:schemeClr val="accent1"/>
-            </a:fillRef>
-            <a:effectRef idx="0">
-              <a:schemeClr val="accent1"/>
-            </a:effectRef>
-            <a:fontRef idx="minor">
-              <a:schemeClr val="lt1"/>
-            </a:fontRef>
-          </p:style>
-        </p:sp>
-        <p:sp>
-          <p:nvSpPr>
-            <p:cNvPr id="11" name="Freeform 5">
-              <a:extLst>
-                <a:ext uri="{FF2B5EF4-FFF2-40B4-BE49-F238E27FC236}">
-                  <a16:creationId xmlns:a16="http://schemas.microsoft.com/office/drawing/2014/main" id="{119D0202-ED3F-47CC-90E9-4E963BCDAB91}"/>
-                </a:ext>
-                <a:ext uri="{C183D7F6-B498-43B3-948B-1728B52AA6E4}">
-                  <adec:decorative xmlns:adec="http://schemas.microsoft.com/office/drawing/2017/decorative" val="1"/>
-                </a:ext>
-              </a:extLst>
-            </p:cNvPr>
-            <p:cNvSpPr>
-              <a:spLocks noEditPoints="1"/>
-            </p:cNvSpPr>
-            <p:nvPr>
-              <p:extLst>
-                <p:ext uri="{386F3935-93C4-4BCD-93E2-E3B085C9AB24}">
-                  <p16:designElem xmlns:p16="http://schemas.microsoft.com/office/powerpoint/2015/main" val="1"/>
-                </p:ext>
-              </p:extLst>
-            </p:nvPr>
-          </p:nvSpPr>
-          <p:spPr bwMode="gray">
-            <a:xfrm>
-              <a:off x="0" y="1587"/>
-              <a:ext cx="12192000" cy="6856413"/>
-            </a:xfrm>
-            <a:custGeom>
-              <a:avLst/>
-              <a:gdLst/>
-              <a:ahLst/>
-              <a:cxnLst/>
-              <a:rect l="0" t="0" r="r" b="b"/>
-              <a:pathLst>
-                <a:path w="15356" h="8638">
-                  <a:moveTo>
-                    <a:pt x="0" y="0"/>
-                  </a:moveTo>
-                  <a:lnTo>
-                    <a:pt x="0" y="8638"/>
-                  </a:lnTo>
-                  <a:lnTo>
-                    <a:pt x="15356" y="8638"/>
-                  </a:lnTo>
-                  <a:lnTo>
-                    <a:pt x="15356" y="0"/>
-                  </a:lnTo>
-                  <a:lnTo>
-                    <a:pt x="0" y="0"/>
-                  </a:lnTo>
-                  <a:close/>
-                  <a:moveTo>
-                    <a:pt x="14748" y="8038"/>
-                  </a:moveTo>
-                  <a:lnTo>
-                    <a:pt x="600" y="8038"/>
-                  </a:lnTo>
-                  <a:lnTo>
-                    <a:pt x="600" y="592"/>
-                  </a:lnTo>
-                  <a:lnTo>
-                    <a:pt x="14748" y="592"/>
-                  </a:lnTo>
-                  <a:lnTo>
-                    <a:pt x="14748" y="8038"/>
-                  </a:lnTo>
-                  <a:close/>
-                </a:path>
-              </a:pathLst>
-            </a:custGeom>
-            <a:solidFill>
-              <a:schemeClr val="bg1"/>
-            </a:solidFill>
-            <a:ln>
-              <a:noFill/>
-            </a:ln>
-          </p:spPr>
-        </p:sp>
-      </p:grpSp>
-      <p:sp>
-        <p:nvSpPr>
-          <p:cNvPr id="13" name="Rectangle 12">
-            <a:extLst>
-              <a:ext uri="{FF2B5EF4-FFF2-40B4-BE49-F238E27FC236}">
-                <a16:creationId xmlns:a16="http://schemas.microsoft.com/office/drawing/2014/main" id="{670D6F2B-93AF-47D6-9378-5E54BE0AC69F}"/>
-              </a:ext>
-              <a:ext uri="{C183D7F6-B498-43B3-948B-1728B52AA6E4}">
-                <adec:decorative xmlns:adec="http://schemas.microsoft.com/office/drawing/2017/decorative" val="1"/>
-              </a:ext>
-            </a:extLst>
-          </p:cNvPr>
-          <p:cNvSpPr>
-            <a:spLocks noGrp="1" noRot="1" noChangeAspect="1" noMove="1" noResize="1" noEditPoints="1" noAdjustHandles="1" noChangeArrowheads="1" noChangeShapeType="1" noTextEdit="1"/>
-          </p:cNvSpPr>
-          <p:nvPr>
-            <p:extLst>
-              <p:ext uri="{386F3935-93C4-4BCD-93E2-E3B085C9AB24}">
-                <p16:designElem xmlns:p16="http://schemas.microsoft.com/office/powerpoint/2015/main" val="1"/>
-              </p:ext>
-            </p:extLst>
-          </p:nvPr>
-        </p:nvSpPr>
-        <p:spPr>
-          <a:xfrm>
-            <a:off x="10437812" y="0"/>
-            <a:ext cx="685800" cy="1143000"/>
-          </a:xfrm>
-          <a:prstGeom prst="rect">
-            <a:avLst/>
-          </a:prstGeom>
-          <a:solidFill>
-            <a:schemeClr val="accent1"/>
-          </a:solidFill>
-          <a:ln>
-            <a:noFill/>
-          </a:ln>
-        </p:spPr>
-        <p:style>
-          <a:lnRef idx="1">
-            <a:schemeClr val="accent1"/>
-          </a:lnRef>
-          <a:fillRef idx="3">
-            <a:schemeClr val="accent1"/>
-          </a:fillRef>
-          <a:effectRef idx="2">
-            <a:schemeClr val="accent1"/>
-          </a:effectRef>
-          <a:fontRef idx="minor">
-            <a:schemeClr val="lt1"/>
-          </a:fontRef>
-        </p:style>
-      </p:sp>
-      <p:sp useBgFill="1">
-        <p:nvSpPr>
-          <p:cNvPr id="15" name="Rectangle 14">
-            <a:extLst>
-              <a:ext uri="{FF2B5EF4-FFF2-40B4-BE49-F238E27FC236}">
-                <a16:creationId xmlns:a16="http://schemas.microsoft.com/office/drawing/2014/main" id="{56981798-4550-46DA-9172-4846E2FB66EC}"/>
-              </a:ext>
-              <a:ext uri="{C183D7F6-B498-43B3-948B-1728B52AA6E4}">
-                <adec:decorative xmlns:adec="http://schemas.microsoft.com/office/drawing/2017/decorative" val="1"/>
-              </a:ext>
-            </a:extLst>
-          </p:cNvPr>
-          <p:cNvSpPr>
-            <a:spLocks noGrp="1" noRot="1" noChangeAspect="1" noMove="1" noResize="1" noEditPoints="1" noAdjustHandles="1" noChangeArrowheads="1" noChangeShapeType="1" noTextEdit="1"/>
-          </p:cNvSpPr>
-          <p:nvPr>
-            <p:extLst>
-              <p:ext uri="{386F3935-93C4-4BCD-93E2-E3B085C9AB24}">
-                <p16:designElem xmlns:p16="http://schemas.microsoft.com/office/powerpoint/2015/main" val="1"/>
-              </p:ext>
-            </p:extLst>
-          </p:nvPr>
-        </p:nvSpPr>
-        <p:spPr>
-          <a:xfrm>
-            <a:off x="0" y="0"/>
-            <a:ext cx="12192000" cy="6858000"/>
-          </a:xfrm>
-          <a:prstGeom prst="rect">
-            <a:avLst/>
-          </a:prstGeom>
-          <a:ln>
-            <a:noFill/>
-          </a:ln>
-        </p:spPr>
-        <p:style>
-          <a:lnRef idx="2">
-            <a:schemeClr val="accent1">
-              <a:shade val="50000"/>
-            </a:schemeClr>
-          </a:lnRef>
-          <a:fillRef idx="1">
-            <a:schemeClr val="accent1"/>
-          </a:fillRef>
-          <a:effectRef idx="0">
-            <a:schemeClr val="accent1"/>
-          </a:effectRef>
-          <a:fontRef idx="minor">
-            <a:schemeClr val="lt1"/>
-          </a:fontRef>
-        </p:style>
-        <p:txBody>
-          <a:bodyPr rtlCol="0" anchor="ctr"/>
-          <a:lstStyle/>
-          <a:p>
-            <a:pPr algn="ctr"/>
-            <a:endParaRPr lang="en-US"/>
-          </a:p>
-        </p:txBody>
-      </p:sp>
-      <p:sp>
-        <p:nvSpPr>
-          <p:cNvPr id="17" name="Rectangle 16">
-            <a:extLst>
-              <a:ext uri="{FF2B5EF4-FFF2-40B4-BE49-F238E27FC236}">
-                <a16:creationId xmlns:a16="http://schemas.microsoft.com/office/drawing/2014/main" id="{D82EB7D3-3AD8-4ED1-9E1A-2906E14635E3}"/>
-              </a:ext>
-              <a:ext uri="{C183D7F6-B498-43B3-948B-1728B52AA6E4}">
-                <adec:decorative xmlns:adec="http://schemas.microsoft.com/office/drawing/2017/decorative" val="1"/>
-              </a:ext>
-            </a:extLst>
-          </p:cNvPr>
-          <p:cNvSpPr>
-            <a:spLocks noGrp="1" noRot="1" noChangeAspect="1" noMove="1" noResize="1" noEditPoints="1" noAdjustHandles="1" noChangeArrowheads="1" noChangeShapeType="1" noTextEdit="1"/>
-          </p:cNvSpPr>
-          <p:nvPr>
-            <p:extLst>
-              <p:ext uri="{386F3935-93C4-4BCD-93E2-E3B085C9AB24}">
-                <p16:designElem xmlns:p16="http://schemas.microsoft.com/office/powerpoint/2015/main" val="1"/>
-              </p:ext>
-            </p:extLst>
-          </p:nvPr>
-        </p:nvSpPr>
-        <p:spPr bwMode="gray">
-          <a:xfrm flipH="1">
-            <a:off x="423335" y="404829"/>
-            <a:ext cx="4478865" cy="6053670"/>
-          </a:xfrm>
-          <a:prstGeom prst="rect">
-            <a:avLst/>
-          </a:prstGeom>
-          <a:solidFill>
-            <a:schemeClr val="bg1"/>
-          </a:solidFill>
-          <a:ln>
-            <a:noFill/>
-          </a:ln>
-          <a:effectLst/>
-        </p:spPr>
-        <p:style>
-          <a:lnRef idx="1">
-            <a:schemeClr val="accent1"/>
-          </a:lnRef>
-          <a:fillRef idx="3">
-            <a:schemeClr val="accent1"/>
-          </a:fillRef>
-          <a:effectRef idx="2">
-            <a:schemeClr val="accent1"/>
-          </a:effectRef>
-          <a:fontRef idx="minor">
-            <a:schemeClr val="lt1"/>
-          </a:fontRef>
-        </p:style>
-      </p:sp>
       <p:sp>
         <p:nvSpPr>
           <p:cNvPr id="2" name="Title 1">
@@ -14162,8 +13687,8 @@
         </p:nvSpPr>
         <p:spPr>
           <a:xfrm>
-            <a:off x="561110" y="1241266"/>
-            <a:ext cx="4089633" cy="3153753"/>
+            <a:off x="8160773" y="1113062"/>
+            <a:ext cx="3382297" cy="3281957"/>
           </a:xfrm>
         </p:spPr>
         <p:txBody>
@@ -14178,10 +13703,13 @@
               </a:lnSpc>
             </a:pPr>
             <a:r>
-              <a:rPr lang="en-US" sz="4600">
+              <a:rPr lang="en-US" sz="3800" b="0" i="0" kern="1200">
                 <a:solidFill>
-                  <a:schemeClr val="tx2"/>
+                  <a:srgbClr val="EBEBEB"/>
                 </a:solidFill>
+                <a:latin typeface="+mj-lt"/>
+                <a:ea typeface="+mj-ea"/>
+                <a:cs typeface="+mj-cs"/>
               </a:rPr>
               <a:t>Handling Authorization With Hashing</a:t>
             </a:r>
@@ -14190,10 +13718,10 @@
       </p:sp>
       <p:pic>
         <p:nvPicPr>
-          <p:cNvPr id="4" name="Content Placeholder 3">
+          <p:cNvPr id="22" name="Content Placeholder 21" descr="Text&#10;&#10;Description automatically generated">
             <a:extLst>
               <a:ext uri="{FF2B5EF4-FFF2-40B4-BE49-F238E27FC236}">
-                <a16:creationId xmlns:a16="http://schemas.microsoft.com/office/drawing/2014/main" id="{B6ECCDAC-E56F-D946-AA95-CD67DEB52A63}"/>
+                <a16:creationId xmlns:a16="http://schemas.microsoft.com/office/drawing/2014/main" id="{B0145DB7-21EF-E94B-AC0F-1FD2C2005874}"/>
               </a:ext>
             </a:extLst>
           </p:cNvPr>
@@ -14204,335 +13732,31 @@
             <p:ph idx="1"/>
           </p:nvPr>
         </p:nvPicPr>
-        <p:blipFill rotWithShape="1">
+        <p:blipFill>
           <a:blip r:embed="rId3"/>
-          <a:srcRect r="23431" b="-1"/>
-          <a:stretch/>
+          <a:stretch>
+            <a:fillRect/>
+          </a:stretch>
         </p:blipFill>
         <p:spPr>
           <a:xfrm>
-            <a:off x="5120117" y="461681"/>
-            <a:ext cx="6585549" cy="5934638"/>
+            <a:off x="1109763" y="1486171"/>
+            <a:ext cx="6470907" cy="3882542"/>
           </a:xfrm>
-          <a:custGeom>
-            <a:avLst/>
-            <a:gdLst/>
-            <a:ahLst/>
-            <a:cxnLst/>
-            <a:rect l="l" t="t" r="r" b="b"/>
-            <a:pathLst>
-              <a:path w="6585549" h="5934638">
-                <a:moveTo>
-                  <a:pt x="225406" y="0"/>
-                </a:moveTo>
-                <a:lnTo>
-                  <a:pt x="6585549" y="0"/>
-                </a:lnTo>
-                <a:lnTo>
-                  <a:pt x="6585549" y="5934638"/>
-                </a:lnTo>
-                <a:lnTo>
-                  <a:pt x="226600" y="5934638"/>
-                </a:lnTo>
-                <a:lnTo>
-                  <a:pt x="214529" y="5856373"/>
-                </a:lnTo>
-                <a:lnTo>
-                  <a:pt x="203238" y="5780097"/>
-                </a:lnTo>
-                <a:lnTo>
-                  <a:pt x="191320" y="5689292"/>
-                </a:lnTo>
-                <a:lnTo>
-                  <a:pt x="177049" y="5581536"/>
-                </a:lnTo>
-                <a:lnTo>
-                  <a:pt x="161995" y="5462279"/>
-                </a:lnTo>
-                <a:lnTo>
-                  <a:pt x="146156" y="5327888"/>
-                </a:lnTo>
-                <a:lnTo>
-                  <a:pt x="129376" y="5181389"/>
-                </a:lnTo>
-                <a:lnTo>
-                  <a:pt x="112596" y="5022177"/>
-                </a:lnTo>
-                <a:lnTo>
-                  <a:pt x="95503" y="4852675"/>
-                </a:lnTo>
-                <a:lnTo>
-                  <a:pt x="79664" y="4669854"/>
-                </a:lnTo>
-                <a:lnTo>
-                  <a:pt x="64453" y="4478558"/>
-                </a:lnTo>
-                <a:lnTo>
-                  <a:pt x="50652" y="4276365"/>
-                </a:lnTo>
-                <a:lnTo>
-                  <a:pt x="37480" y="4065697"/>
-                </a:lnTo>
-                <a:lnTo>
-                  <a:pt x="25091" y="3845949"/>
-                </a:lnTo>
-                <a:lnTo>
-                  <a:pt x="20700" y="3733351"/>
-                </a:lnTo>
-                <a:lnTo>
-                  <a:pt x="15838" y="3618331"/>
-                </a:lnTo>
-                <a:lnTo>
-                  <a:pt x="11291" y="3501495"/>
-                </a:lnTo>
-                <a:lnTo>
-                  <a:pt x="8311" y="3384054"/>
-                </a:lnTo>
-                <a:lnTo>
-                  <a:pt x="5645" y="3264191"/>
-                </a:lnTo>
-                <a:lnTo>
-                  <a:pt x="2822" y="3143118"/>
-                </a:lnTo>
-                <a:lnTo>
-                  <a:pt x="941" y="3019623"/>
-                </a:lnTo>
-                <a:lnTo>
-                  <a:pt x="941" y="2894918"/>
-                </a:lnTo>
-                <a:lnTo>
-                  <a:pt x="0" y="2769001"/>
-                </a:lnTo>
-                <a:lnTo>
-                  <a:pt x="941" y="2641874"/>
-                </a:lnTo>
-                <a:lnTo>
-                  <a:pt x="2822" y="2512931"/>
-                </a:lnTo>
-                <a:lnTo>
-                  <a:pt x="4547" y="2383988"/>
-                </a:lnTo>
-                <a:lnTo>
-                  <a:pt x="8311" y="2253229"/>
-                </a:lnTo>
-                <a:lnTo>
-                  <a:pt x="12232" y="2121259"/>
-                </a:lnTo>
-                <a:lnTo>
-                  <a:pt x="16779" y="1989289"/>
-                </a:lnTo>
-                <a:lnTo>
-                  <a:pt x="23209" y="1856108"/>
-                </a:lnTo>
-                <a:lnTo>
-                  <a:pt x="30893" y="1721716"/>
-                </a:lnTo>
-                <a:lnTo>
-                  <a:pt x="38264" y="1586720"/>
-                </a:lnTo>
-                <a:lnTo>
-                  <a:pt x="47673" y="1451723"/>
-                </a:lnTo>
-                <a:lnTo>
-                  <a:pt x="58964" y="1314910"/>
-                </a:lnTo>
-                <a:lnTo>
-                  <a:pt x="70255" y="1179913"/>
-                </a:lnTo>
-                <a:lnTo>
-                  <a:pt x="83271" y="1042495"/>
-                </a:lnTo>
-                <a:lnTo>
-                  <a:pt x="97542" y="904471"/>
-                </a:lnTo>
-                <a:lnTo>
-                  <a:pt x="112596" y="768263"/>
-                </a:lnTo>
-                <a:lnTo>
-                  <a:pt x="130160" y="630240"/>
-                </a:lnTo>
-                <a:lnTo>
-                  <a:pt x="148978" y="492821"/>
-                </a:lnTo>
-                <a:lnTo>
-                  <a:pt x="167640" y="354798"/>
-                </a:lnTo>
-                <a:lnTo>
-                  <a:pt x="189438" y="217380"/>
-                </a:lnTo>
-                <a:lnTo>
-                  <a:pt x="211706" y="80567"/>
-                </a:lnTo>
-                <a:close/>
-              </a:path>
-            </a:pathLst>
-          </a:custGeom>
+          <a:prstGeom prst="roundRect">
+            <a:avLst>
+              <a:gd name="adj" fmla="val 1858"/>
+            </a:avLst>
+          </a:prstGeom>
+          <a:effectLst>
+            <a:outerShdw blurRad="50800" dist="50800" dir="5400000" algn="tl" rotWithShape="0">
+              <a:srgbClr val="000000">
+                <a:alpha val="43000"/>
+              </a:srgbClr>
+            </a:outerShdw>
+          </a:effectLst>
         </p:spPr>
       </p:pic>
-      <p:sp>
-        <p:nvSpPr>
-          <p:cNvPr id="19" name="Freeform 5">
-            <a:extLst>
-              <a:ext uri="{FF2B5EF4-FFF2-40B4-BE49-F238E27FC236}">
-                <a16:creationId xmlns:a16="http://schemas.microsoft.com/office/drawing/2014/main" id="{2D529E20-662F-4915-ACD7-970C026FDB7F}"/>
-              </a:ext>
-              <a:ext uri="{C183D7F6-B498-43B3-948B-1728B52AA6E4}">
-                <adec:decorative xmlns:adec="http://schemas.microsoft.com/office/drawing/2017/decorative" val="1"/>
-              </a:ext>
-            </a:extLst>
-          </p:cNvPr>
-          <p:cNvSpPr>
-            <a:spLocks noGrp="1" noRot="1" noChangeAspect="1" noMove="1" noResize="1" noEditPoints="1" noAdjustHandles="1" noChangeArrowheads="1" noChangeShapeType="1" noTextEdit="1"/>
-          </p:cNvSpPr>
-          <p:nvPr>
-            <p:extLst>
-              <p:ext uri="{386F3935-93C4-4BCD-93E2-E3B085C9AB24}">
-                <p16:designElem xmlns:p16="http://schemas.microsoft.com/office/powerpoint/2015/main" val="1"/>
-              </p:ext>
-            </p:extLst>
-          </p:nvPr>
-        </p:nvSpPr>
-        <p:spPr bwMode="gray">
-          <a:xfrm rot="5677511" flipH="1">
-            <a:off x="3545327" y="1903328"/>
-            <a:ext cx="3299407" cy="440924"/>
-          </a:xfrm>
-          <a:custGeom>
-            <a:avLst/>
-            <a:gdLst/>
-            <a:ahLst/>
-            <a:cxnLst/>
-            <a:rect l="l" t="t" r="r" b="b"/>
-            <a:pathLst>
-              <a:path w="10000" h="5291">
-                <a:moveTo>
-                  <a:pt x="85" y="2532"/>
-                </a:moveTo>
-                <a:cubicBezTo>
-                  <a:pt x="1736" y="3911"/>
-                  <a:pt x="7524" y="5298"/>
-                  <a:pt x="9958" y="5291"/>
-                </a:cubicBezTo>
-                <a:cubicBezTo>
-                  <a:pt x="9989" y="1958"/>
-                  <a:pt x="9969" y="3333"/>
-                  <a:pt x="10000" y="0"/>
-                </a:cubicBezTo>
-                <a:lnTo>
-                  <a:pt x="10000" y="0"/>
-                </a:lnTo>
-                <a:lnTo>
-                  <a:pt x="9667" y="204"/>
-                </a:lnTo>
-                <a:lnTo>
-                  <a:pt x="9334" y="400"/>
-                </a:lnTo>
-                <a:lnTo>
-                  <a:pt x="9001" y="590"/>
-                </a:lnTo>
-                <a:lnTo>
-                  <a:pt x="8667" y="753"/>
-                </a:lnTo>
-                <a:lnTo>
-                  <a:pt x="8333" y="917"/>
-                </a:lnTo>
-                <a:lnTo>
-                  <a:pt x="7999" y="1071"/>
-                </a:lnTo>
-                <a:lnTo>
-                  <a:pt x="7669" y="1202"/>
-                </a:lnTo>
-                <a:lnTo>
-                  <a:pt x="7333" y="1325"/>
-                </a:lnTo>
-                <a:lnTo>
-                  <a:pt x="7000" y="1440"/>
-                </a:lnTo>
-                <a:lnTo>
-                  <a:pt x="6673" y="1538"/>
-                </a:lnTo>
-                <a:lnTo>
-                  <a:pt x="6340" y="1636"/>
-                </a:lnTo>
-                <a:lnTo>
-                  <a:pt x="6013" y="1719"/>
-                </a:lnTo>
-                <a:lnTo>
-                  <a:pt x="5686" y="1784"/>
-                </a:lnTo>
-                <a:lnTo>
-                  <a:pt x="5359" y="1850"/>
-                </a:lnTo>
-                <a:lnTo>
-                  <a:pt x="5036" y="1906"/>
-                </a:lnTo>
-                <a:lnTo>
-                  <a:pt x="4717" y="1948"/>
-                </a:lnTo>
-                <a:lnTo>
-                  <a:pt x="4396" y="1980"/>
-                </a:lnTo>
-                <a:lnTo>
-                  <a:pt x="4079" y="2013"/>
-                </a:lnTo>
-                <a:lnTo>
-                  <a:pt x="3766" y="2029"/>
-                </a:lnTo>
-                <a:lnTo>
-                  <a:pt x="3454" y="2046"/>
-                </a:lnTo>
-                <a:lnTo>
-                  <a:pt x="3145" y="2053"/>
-                </a:lnTo>
-                <a:lnTo>
-                  <a:pt x="2839" y="2046"/>
-                </a:lnTo>
-                <a:lnTo>
-                  <a:pt x="2537" y="2046"/>
-                </a:lnTo>
-                <a:lnTo>
-                  <a:pt x="2238" y="2029"/>
-                </a:lnTo>
-                <a:lnTo>
-                  <a:pt x="1943" y="2004"/>
-                </a:lnTo>
-                <a:lnTo>
-                  <a:pt x="1653" y="1980"/>
-                </a:lnTo>
-                <a:lnTo>
-                  <a:pt x="1368" y="1955"/>
-                </a:lnTo>
-                <a:lnTo>
-                  <a:pt x="1085" y="1915"/>
-                </a:lnTo>
-                <a:lnTo>
-                  <a:pt x="806" y="1873"/>
-                </a:lnTo>
-                <a:lnTo>
-                  <a:pt x="533" y="1833"/>
-                </a:lnTo>
-                <a:lnTo>
-                  <a:pt x="0" y="1726"/>
-                </a:lnTo>
-                <a:cubicBezTo>
-                  <a:pt x="28" y="1995"/>
-                  <a:pt x="57" y="2263"/>
-                  <a:pt x="85" y="2532"/>
-                </a:cubicBezTo>
-                <a:close/>
-              </a:path>
-            </a:pathLst>
-          </a:custGeom>
-          <a:solidFill>
-            <a:schemeClr val="bg1">
-              <a:alpha val="20000"/>
-            </a:schemeClr>
-          </a:solidFill>
-          <a:ln>
-            <a:noFill/>
-          </a:ln>
-        </p:spPr>
-      </p:sp>
     </p:spTree>
     <p:extLst>
       <p:ext uri="{BB962C8B-B14F-4D97-AF65-F5344CB8AC3E}">
@@ -14541,12 +13765,12 @@
     </p:extLst>
   </p:cSld>
   <p:clrMapOvr>
-    <a:masterClrMapping/>
+    <a:overrideClrMapping bg1="dk1" tx1="lt1" bg2="dk2" tx2="lt2" accent1="accent1" accent2="accent2" accent3="accent3" accent4="accent4" accent5="accent5" accent6="accent6" hlink="hlink" folHlink="folHlink"/>
   </p:clrMapOvr>
 </p:sld>
 </file>
 
-<file path=ppt/slides/slide12.xml><?xml version="1.0" encoding="utf-8"?>
+<file path=ppt/slides/slide11.xml><?xml version="1.0" encoding="utf-8"?>
 <p:sld xmlns:a="http://schemas.openxmlformats.org/drawingml/2006/main" xmlns:r="http://schemas.openxmlformats.org/officeDocument/2006/relationships" xmlns:p="http://schemas.openxmlformats.org/presentationml/2006/main">
   <p:cSld>
     <p:spTree>
@@ -14663,7 +13887,7 @@
 </p:sld>
 </file>
 
-<file path=ppt/slides/slide13.xml><?xml version="1.0" encoding="utf-8"?>
+<file path=ppt/slides/slide12.xml><?xml version="1.0" encoding="utf-8"?>
 <p:sld xmlns:a="http://schemas.openxmlformats.org/drawingml/2006/main" xmlns:r="http://schemas.openxmlformats.org/officeDocument/2006/relationships" xmlns:p="http://schemas.openxmlformats.org/presentationml/2006/main">
   <p:cSld>
     <p:spTree>
@@ -14773,7 +13997,7 @@
 </p:sld>
 </file>
 
-<file path=ppt/slides/slide14.xml><?xml version="1.0" encoding="utf-8"?>
+<file path=ppt/slides/slide13.xml><?xml version="1.0" encoding="utf-8"?>
 <p:sld xmlns:a="http://schemas.openxmlformats.org/drawingml/2006/main" xmlns:r="http://schemas.openxmlformats.org/officeDocument/2006/relationships" xmlns:p="http://schemas.openxmlformats.org/presentationml/2006/main">
   <p:cSld>
     <p:spTree>
@@ -14926,7 +14150,7 @@
 </p:sld>
 </file>
 
-<file path=ppt/slides/slide15.xml><?xml version="1.0" encoding="utf-8"?>
+<file path=ppt/slides/slide14.xml><?xml version="1.0" encoding="utf-8"?>
 <p:sld xmlns:a="http://schemas.openxmlformats.org/drawingml/2006/main" xmlns:r="http://schemas.openxmlformats.org/officeDocument/2006/relationships" xmlns:p="http://schemas.openxmlformats.org/presentationml/2006/main">
   <p:cSld>
     <p:spTree>
@@ -15052,7 +14276,7 @@
 </p:sld>
 </file>
 
-<file path=ppt/slides/slide16.xml><?xml version="1.0" encoding="utf-8"?>
+<file path=ppt/slides/slide15.xml><?xml version="1.0" encoding="utf-8"?>
 <p:sld xmlns:a="http://schemas.openxmlformats.org/drawingml/2006/main" xmlns:r="http://schemas.openxmlformats.org/officeDocument/2006/relationships" xmlns:p="http://schemas.openxmlformats.org/presentationml/2006/main">
   <p:cSld>
     <p:spTree>
@@ -15156,7 +14380,7 @@
 </p:sld>
 </file>
 
-<file path=ppt/slides/slide17.xml><?xml version="1.0" encoding="utf-8"?>
+<file path=ppt/slides/slide16.xml><?xml version="1.0" encoding="utf-8"?>
 <p:sld xmlns:a="http://schemas.openxmlformats.org/drawingml/2006/main" xmlns:r="http://schemas.openxmlformats.org/officeDocument/2006/relationships" xmlns:p="http://schemas.openxmlformats.org/presentationml/2006/main">
   <p:cSld>
     <p:spTree>
@@ -15254,7 +14478,7 @@
 </p:sld>
 </file>
 
-<file path=ppt/slides/slide18.xml><?xml version="1.0" encoding="utf-8"?>
+<file path=ppt/slides/slide17.xml><?xml version="1.0" encoding="utf-8"?>
 <p:sld xmlns:a="http://schemas.openxmlformats.org/drawingml/2006/main" xmlns:r="http://schemas.openxmlformats.org/officeDocument/2006/relationships" xmlns:p="http://schemas.openxmlformats.org/presentationml/2006/main">
   <p:cSld>
     <p:spTree>
@@ -15372,7 +14596,7 @@
 </p:sld>
 </file>
 
-<file path=ppt/slides/slide19.xml><?xml version="1.0" encoding="utf-8"?>
+<file path=ppt/slides/slide18.xml><?xml version="1.0" encoding="utf-8"?>
 <p:sld xmlns:a="http://schemas.openxmlformats.org/drawingml/2006/main" xmlns:r="http://schemas.openxmlformats.org/officeDocument/2006/relationships" xmlns:p="http://schemas.openxmlformats.org/presentationml/2006/main">
   <p:cSld>
     <p:bg>
@@ -15399,7 +14623,7 @@
       </p:grpSpPr>
       <p:sp>
         <p:nvSpPr>
-          <p:cNvPr id="9" name="Rectangle 8">
+          <p:cNvPr id="22" name="Rectangle 21">
             <a:extLst>
               <a:ext uri="{FF2B5EF4-FFF2-40B4-BE49-F238E27FC236}">
                 <a16:creationId xmlns:a16="http://schemas.microsoft.com/office/drawing/2014/main" id="{F70C2B8F-6B1B-46D5-86E6-40F36C695FC2}"/>
@@ -15451,7 +14675,7 @@
       </p:sp>
       <p:sp>
         <p:nvSpPr>
-          <p:cNvPr id="11" name="Freeform 5">
+          <p:cNvPr id="24" name="Freeform 5">
             <a:extLst>
               <a:ext uri="{FF2B5EF4-FFF2-40B4-BE49-F238E27FC236}">
                 <a16:creationId xmlns:a16="http://schemas.microsoft.com/office/drawing/2014/main" id="{DB521824-592C-476A-AB0A-CA0C6D1F3407}"/>
@@ -15615,7 +14839,7 @@
       </p:sp>
       <p:sp>
         <p:nvSpPr>
-          <p:cNvPr id="13" name="Freeform: Shape 12">
+          <p:cNvPr id="26" name="Freeform: Shape 25">
             <a:extLst>
               <a:ext uri="{FF2B5EF4-FFF2-40B4-BE49-F238E27FC236}">
                 <a16:creationId xmlns:a16="http://schemas.microsoft.com/office/drawing/2014/main" id="{A2749EFA-8EE4-4EB8-9424-8E593B9320AD}"/>
@@ -16081,7 +15305,7 @@
       </p:sp>
       <p:sp>
         <p:nvSpPr>
-          <p:cNvPr id="15" name="Freeform 5">
+          <p:cNvPr id="28" name="Freeform 5">
             <a:extLst>
               <a:ext uri="{FF2B5EF4-FFF2-40B4-BE49-F238E27FC236}">
                 <a16:creationId xmlns:a16="http://schemas.microsoft.com/office/drawing/2014/main" id="{B5C860C9-D4F9-4350-80DA-0D1CD36C7741}"/>
@@ -16199,10 +15423,10 @@
       </p:sp>
       <p:pic>
         <p:nvPicPr>
-          <p:cNvPr id="4" name="Picture 3">
+          <p:cNvPr id="6" name="Picture 5" descr="Text&#10;&#10;Description automatically generated">
             <a:extLst>
               <a:ext uri="{FF2B5EF4-FFF2-40B4-BE49-F238E27FC236}">
-                <a16:creationId xmlns:a16="http://schemas.microsoft.com/office/drawing/2014/main" id="{F5DB889A-52E2-FA4B-85C8-7F77B801E438}"/>
+                <a16:creationId xmlns:a16="http://schemas.microsoft.com/office/drawing/2014/main" id="{B56DB254-BC70-514F-AF7D-108546937206}"/>
               </a:ext>
             </a:extLst>
           </p:cNvPr>
@@ -16219,8 +15443,8 @@
         </p:blipFill>
         <p:spPr>
           <a:xfrm>
-            <a:off x="6714836" y="834713"/>
-            <a:ext cx="4828707" cy="5206154"/>
+            <a:off x="6714836" y="1313160"/>
+            <a:ext cx="4828707" cy="4249261"/>
           </a:xfrm>
           <a:prstGeom prst="rect">
             <a:avLst/>
@@ -16229,7 +15453,7 @@
       </p:pic>
       <p:sp>
         <p:nvSpPr>
-          <p:cNvPr id="17" name="Rectangle 16">
+          <p:cNvPr id="30" name="Rectangle 29">
             <a:extLst>
               <a:ext uri="{FF2B5EF4-FFF2-40B4-BE49-F238E27FC236}">
                 <a16:creationId xmlns:a16="http://schemas.microsoft.com/office/drawing/2014/main" id="{538A90C8-AE0E-4EBA-9AF8-EEDB206020E0}"/>
@@ -16352,6 +15576,116 @@
 </p:sld>
 </file>
 
+<file path=ppt/slides/slide19.xml><?xml version="1.0" encoding="utf-8"?>
+<p:sld xmlns:a="http://schemas.openxmlformats.org/drawingml/2006/main" xmlns:r="http://schemas.openxmlformats.org/officeDocument/2006/relationships" xmlns:p="http://schemas.openxmlformats.org/presentationml/2006/main">
+  <p:cSld>
+    <p:spTree>
+      <p:nvGrpSpPr>
+        <p:cNvPr id="1" name=""/>
+        <p:cNvGrpSpPr/>
+        <p:nvPr/>
+      </p:nvGrpSpPr>
+      <p:grpSpPr>
+        <a:xfrm>
+          <a:off x="0" y="0"/>
+          <a:ext cx="0" cy="0"/>
+          <a:chOff x="0" y="0"/>
+          <a:chExt cx="0" cy="0"/>
+        </a:xfrm>
+      </p:grpSpPr>
+      <p:sp>
+        <p:nvSpPr>
+          <p:cNvPr id="2" name="Title 1">
+            <a:extLst>
+              <a:ext uri="{FF2B5EF4-FFF2-40B4-BE49-F238E27FC236}">
+                <a16:creationId xmlns:a16="http://schemas.microsoft.com/office/drawing/2014/main" id="{39211F86-05F3-9245-9B02-3F2FA7867CB2}"/>
+              </a:ext>
+            </a:extLst>
+          </p:cNvPr>
+          <p:cNvSpPr>
+            <a:spLocks noGrp="1"/>
+          </p:cNvSpPr>
+          <p:nvPr>
+            <p:ph type="title"/>
+          </p:nvPr>
+        </p:nvSpPr>
+        <p:spPr/>
+        <p:txBody>
+          <a:bodyPr/>
+          <a:lstStyle/>
+          <a:p>
+            <a:r>
+              <a:rPr lang="en-US" dirty="0"/>
+              <a:t>Denial of Service</a:t>
+            </a:r>
+          </a:p>
+        </p:txBody>
+      </p:sp>
+      <p:sp>
+        <p:nvSpPr>
+          <p:cNvPr id="3" name="Content Placeholder 2">
+            <a:extLst>
+              <a:ext uri="{FF2B5EF4-FFF2-40B4-BE49-F238E27FC236}">
+                <a16:creationId xmlns:a16="http://schemas.microsoft.com/office/drawing/2014/main" id="{3BA4064F-0C62-6047-8336-A09B42CA79DE}"/>
+              </a:ext>
+            </a:extLst>
+          </p:cNvPr>
+          <p:cNvSpPr>
+            <a:spLocks noGrp="1"/>
+          </p:cNvSpPr>
+          <p:nvPr>
+            <p:ph idx="1"/>
+          </p:nvPr>
+        </p:nvSpPr>
+        <p:spPr/>
+        <p:txBody>
+          <a:bodyPr/>
+          <a:lstStyle/>
+          <a:p>
+            <a:r>
+              <a:rPr lang="en-US" dirty="0"/>
+              <a:t>Use cheap validation first</a:t>
+            </a:r>
+          </a:p>
+          <a:p>
+            <a:r>
+              <a:rPr lang="en-US" dirty="0"/>
+              <a:t>Push long running tasks to asynchronous queues</a:t>
+            </a:r>
+          </a:p>
+          <a:p>
+            <a:r>
+              <a:rPr lang="en-US" dirty="0"/>
+              <a:t>Use threading when possible</a:t>
+            </a:r>
+          </a:p>
+          <a:p>
+            <a:r>
+              <a:rPr lang="en-US" dirty="0"/>
+              <a:t>Limit request size</a:t>
+            </a:r>
+          </a:p>
+          <a:p>
+            <a:r>
+              <a:rPr lang="en-US" dirty="0"/>
+              <a:t>Limit number of requests in a given period of time</a:t>
+            </a:r>
+          </a:p>
+        </p:txBody>
+      </p:sp>
+    </p:spTree>
+    <p:extLst>
+      <p:ext uri="{BB962C8B-B14F-4D97-AF65-F5344CB8AC3E}">
+        <p14:creationId xmlns:p14="http://schemas.microsoft.com/office/powerpoint/2010/main" val="2450770029"/>
+      </p:ext>
+    </p:extLst>
+  </p:cSld>
+  <p:clrMapOvr>
+    <a:masterClrMapping/>
+  </p:clrMapOvr>
+</p:sld>
+</file>
+
 <file path=ppt/slides/slide2.xml><?xml version="1.0" encoding="utf-8"?>
 <p:sld xmlns:a="http://schemas.openxmlformats.org/drawingml/2006/main" xmlns:r="http://schemas.openxmlformats.org/officeDocument/2006/relationships" xmlns:p="http://schemas.openxmlformats.org/presentationml/2006/main">
   <p:cSld>
@@ -16466,116 +15800,6 @@
           <p:cNvPr id="2" name="Title 1">
             <a:extLst>
               <a:ext uri="{FF2B5EF4-FFF2-40B4-BE49-F238E27FC236}">
-                <a16:creationId xmlns:a16="http://schemas.microsoft.com/office/drawing/2014/main" id="{39211F86-05F3-9245-9B02-3F2FA7867CB2}"/>
-              </a:ext>
-            </a:extLst>
-          </p:cNvPr>
-          <p:cNvSpPr>
-            <a:spLocks noGrp="1"/>
-          </p:cNvSpPr>
-          <p:nvPr>
-            <p:ph type="title"/>
-          </p:nvPr>
-        </p:nvSpPr>
-        <p:spPr/>
-        <p:txBody>
-          <a:bodyPr/>
-          <a:lstStyle/>
-          <a:p>
-            <a:r>
-              <a:rPr lang="en-US" dirty="0"/>
-              <a:t>Denial of Service</a:t>
-            </a:r>
-          </a:p>
-        </p:txBody>
-      </p:sp>
-      <p:sp>
-        <p:nvSpPr>
-          <p:cNvPr id="3" name="Content Placeholder 2">
-            <a:extLst>
-              <a:ext uri="{FF2B5EF4-FFF2-40B4-BE49-F238E27FC236}">
-                <a16:creationId xmlns:a16="http://schemas.microsoft.com/office/drawing/2014/main" id="{3BA4064F-0C62-6047-8336-A09B42CA79DE}"/>
-              </a:ext>
-            </a:extLst>
-          </p:cNvPr>
-          <p:cNvSpPr>
-            <a:spLocks noGrp="1"/>
-          </p:cNvSpPr>
-          <p:nvPr>
-            <p:ph idx="1"/>
-          </p:nvPr>
-        </p:nvSpPr>
-        <p:spPr/>
-        <p:txBody>
-          <a:bodyPr/>
-          <a:lstStyle/>
-          <a:p>
-            <a:r>
-              <a:rPr lang="en-US" dirty="0"/>
-              <a:t>Use cheap validation first</a:t>
-            </a:r>
-          </a:p>
-          <a:p>
-            <a:r>
-              <a:rPr lang="en-US" dirty="0"/>
-              <a:t>Push long running tasks to asynchronous queues</a:t>
-            </a:r>
-          </a:p>
-          <a:p>
-            <a:r>
-              <a:rPr lang="en-US" dirty="0"/>
-              <a:t>Use threading when possible</a:t>
-            </a:r>
-          </a:p>
-          <a:p>
-            <a:r>
-              <a:rPr lang="en-US" dirty="0"/>
-              <a:t>Limit request size</a:t>
-            </a:r>
-          </a:p>
-          <a:p>
-            <a:r>
-              <a:rPr lang="en-US" dirty="0"/>
-              <a:t>Limit number of requests in a given period of time</a:t>
-            </a:r>
-          </a:p>
-        </p:txBody>
-      </p:sp>
-    </p:spTree>
-    <p:extLst>
-      <p:ext uri="{BB962C8B-B14F-4D97-AF65-F5344CB8AC3E}">
-        <p14:creationId xmlns:p14="http://schemas.microsoft.com/office/powerpoint/2010/main" val="2450770029"/>
-      </p:ext>
-    </p:extLst>
-  </p:cSld>
-  <p:clrMapOvr>
-    <a:masterClrMapping/>
-  </p:clrMapOvr>
-</p:sld>
-</file>
-
-<file path=ppt/slides/slide21.xml><?xml version="1.0" encoding="utf-8"?>
-<p:sld xmlns:a="http://schemas.openxmlformats.org/drawingml/2006/main" xmlns:r="http://schemas.openxmlformats.org/officeDocument/2006/relationships" xmlns:p="http://schemas.openxmlformats.org/presentationml/2006/main">
-  <p:cSld>
-    <p:spTree>
-      <p:nvGrpSpPr>
-        <p:cNvPr id="1" name=""/>
-        <p:cNvGrpSpPr/>
-        <p:nvPr/>
-      </p:nvGrpSpPr>
-      <p:grpSpPr>
-        <a:xfrm>
-          <a:off x="0" y="0"/>
-          <a:ext cx="0" cy="0"/>
-          <a:chOff x="0" y="0"/>
-          <a:chExt cx="0" cy="0"/>
-        </a:xfrm>
-      </p:grpSpPr>
-      <p:sp>
-        <p:nvSpPr>
-          <p:cNvPr id="2" name="Title 1">
-            <a:extLst>
-              <a:ext uri="{FF2B5EF4-FFF2-40B4-BE49-F238E27FC236}">
                 <a16:creationId xmlns:a16="http://schemas.microsoft.com/office/drawing/2014/main" id="{4C758950-FC26-AB48-9637-F9074CA202C8}"/>
               </a:ext>
             </a:extLst>
@@ -16671,7 +15895,7 @@
 </p:sld>
 </file>
 
-<file path=ppt/slides/slide22.xml><?xml version="1.0" encoding="utf-8"?>
+<file path=ppt/slides/slide21.xml><?xml version="1.0" encoding="utf-8"?>
 <p:sld xmlns:a="http://schemas.openxmlformats.org/drawingml/2006/main" xmlns:r="http://schemas.openxmlformats.org/officeDocument/2006/relationships" xmlns:p="http://schemas.openxmlformats.org/presentationml/2006/main">
   <p:cSld>
     <p:spTree>

--- a/lessons/Fundamental_Concepts_of_AppSec/AppSecLecture.pptx
+++ b/lessons/Fundamental_Concepts_of_AppSec/AppSecLecture.pptx
@@ -13,8 +13,8 @@
     <p:sldId id="269" r:id="rId7"/>
     <p:sldId id="258" r:id="rId8"/>
     <p:sldId id="261" r:id="rId9"/>
-    <p:sldId id="259" r:id="rId10"/>
-    <p:sldId id="266" r:id="rId11"/>
+    <p:sldId id="266" r:id="rId10"/>
+    <p:sldId id="259" r:id="rId11"/>
     <p:sldId id="260" r:id="rId12"/>
     <p:sldId id="264" r:id="rId13"/>
     <p:sldId id="267" r:id="rId14"/>
@@ -13281,14 +13281,6 @@
 <file path=ppt/slides/slide10.xml><?xml version="1.0" encoding="utf-8"?>
 <p:sld xmlns:a="http://schemas.openxmlformats.org/drawingml/2006/main" xmlns:r="http://schemas.openxmlformats.org/officeDocument/2006/relationships" xmlns:p="http://schemas.openxmlformats.org/presentationml/2006/main">
   <p:cSld>
-    <p:bg>
-      <p:bgPr>
-        <a:solidFill>
-          <a:schemeClr val="bg1"/>
-        </a:solidFill>
-        <a:effectLst/>
-      </p:bgPr>
-    </p:bg>
     <p:spTree>
       <p:nvGrpSpPr>
         <p:cNvPr id="1" name=""/>
@@ -13303,378 +13295,12 @@
           <a:chExt cx="0" cy="0"/>
         </a:xfrm>
       </p:grpSpPr>
-      <p:grpSp>
-        <p:nvGrpSpPr>
-          <p:cNvPr id="55" name="Group 54">
-            <a:extLst>
-              <a:ext uri="{FF2B5EF4-FFF2-40B4-BE49-F238E27FC236}">
-                <a16:creationId xmlns:a16="http://schemas.microsoft.com/office/drawing/2014/main" id="{4091D54B-59AB-4A5E-8E9E-0421BD66D4FB}"/>
-              </a:ext>
-              <a:ext uri="{C183D7F6-B498-43B3-948B-1728B52AA6E4}">
-                <adec:decorative xmlns:adec="http://schemas.microsoft.com/office/drawing/2017/decorative" val="1"/>
-              </a:ext>
-            </a:extLst>
-          </p:cNvPr>
-          <p:cNvGrpSpPr>
-            <a:grpSpLocks noGrp="1" noUngrp="1" noRot="1" noChangeAspect="1" noMove="1" noResize="1"/>
-          </p:cNvGrpSpPr>
-          <p:nvPr>
-            <p:extLst>
-              <p:ext uri="{386F3935-93C4-4BCD-93E2-E3B085C9AB24}">
-                <p16:designElem xmlns:p16="http://schemas.microsoft.com/office/powerpoint/2015/main" val="1"/>
-              </p:ext>
-            </p:extLst>
-          </p:nvPr>
-        </p:nvGrpSpPr>
-        <p:grpSpPr>
-          <a:xfrm>
-            <a:off x="0" y="0"/>
-            <a:ext cx="12192000" cy="6858000"/>
-            <a:chOff x="0" y="0"/>
-            <a:chExt cx="12192000" cy="6858000"/>
-          </a:xfrm>
-        </p:grpSpPr>
-        <p:sp>
-          <p:nvSpPr>
-            <p:cNvPr id="56" name="Rectangle 55">
-              <a:extLst>
-                <a:ext uri="{FF2B5EF4-FFF2-40B4-BE49-F238E27FC236}">
-                  <a16:creationId xmlns:a16="http://schemas.microsoft.com/office/drawing/2014/main" id="{547CE62E-FFFD-4A1F-BA78-C3B89C36FCA5}"/>
-                </a:ext>
-                <a:ext uri="{C183D7F6-B498-43B3-948B-1728B52AA6E4}">
-                  <adec:decorative xmlns:adec="http://schemas.microsoft.com/office/drawing/2017/decorative" val="1"/>
-                </a:ext>
-              </a:extLst>
-            </p:cNvPr>
-            <p:cNvSpPr/>
-            <p:nvPr>
-              <p:extLst>
-                <p:ext uri="{386F3935-93C4-4BCD-93E2-E3B085C9AB24}">
-                  <p16:designElem xmlns:p16="http://schemas.microsoft.com/office/powerpoint/2015/main" val="1"/>
-                </p:ext>
-              </p:extLst>
-            </p:nvPr>
-          </p:nvSpPr>
-          <p:spPr>
-            <a:xfrm>
-              <a:off x="0" y="0"/>
-              <a:ext cx="12192000" cy="6858000"/>
-            </a:xfrm>
-            <a:prstGeom prst="rect">
-              <a:avLst/>
-            </a:prstGeom>
-            <a:blipFill>
-              <a:blip r:embed="rId2">
-                <a:duotone>
-                  <a:schemeClr val="dk2">
-                    <a:shade val="69000"/>
-                    <a:hueMod val="91000"/>
-                    <a:satMod val="164000"/>
-                    <a:lumMod val="74000"/>
-                  </a:schemeClr>
-                  <a:schemeClr val="dk2">
-                    <a:hueMod val="124000"/>
-                    <a:satMod val="140000"/>
-                    <a:lumMod val="142000"/>
-                  </a:schemeClr>
-                </a:duotone>
-              </a:blip>
-              <a:stretch>
-                <a:fillRect/>
-              </a:stretch>
-            </a:blipFill>
-            <a:ln>
-              <a:noFill/>
-            </a:ln>
-          </p:spPr>
-          <p:style>
-            <a:lnRef idx="2">
-              <a:schemeClr val="accent1">
-                <a:shade val="50000"/>
-              </a:schemeClr>
-            </a:lnRef>
-            <a:fillRef idx="1">
-              <a:schemeClr val="accent1"/>
-            </a:fillRef>
-            <a:effectRef idx="0">
-              <a:schemeClr val="accent1"/>
-            </a:effectRef>
-            <a:fontRef idx="minor">
-              <a:schemeClr val="lt1"/>
-            </a:fontRef>
-          </p:style>
-        </p:sp>
-        <p:sp>
-          <p:nvSpPr>
-            <p:cNvPr id="57" name="Freeform 5">
-              <a:extLst>
-                <a:ext uri="{FF2B5EF4-FFF2-40B4-BE49-F238E27FC236}">
-                  <a16:creationId xmlns:a16="http://schemas.microsoft.com/office/drawing/2014/main" id="{AE51FD27-6B6A-4D21-BF22-245DA9BD0B3E}"/>
-                </a:ext>
-                <a:ext uri="{C183D7F6-B498-43B3-948B-1728B52AA6E4}">
-                  <adec:decorative xmlns:adec="http://schemas.microsoft.com/office/drawing/2017/decorative" val="1"/>
-                </a:ext>
-              </a:extLst>
-            </p:cNvPr>
-            <p:cNvSpPr>
-              <a:spLocks noEditPoints="1"/>
-            </p:cNvSpPr>
-            <p:nvPr>
-              <p:extLst>
-                <p:ext uri="{386F3935-93C4-4BCD-93E2-E3B085C9AB24}">
-                  <p16:designElem xmlns:p16="http://schemas.microsoft.com/office/powerpoint/2015/main" val="1"/>
-                </p:ext>
-              </p:extLst>
-            </p:nvPr>
-          </p:nvSpPr>
-          <p:spPr bwMode="gray">
-            <a:xfrm>
-              <a:off x="0" y="1587"/>
-              <a:ext cx="12192000" cy="6856413"/>
-            </a:xfrm>
-            <a:custGeom>
-              <a:avLst/>
-              <a:gdLst/>
-              <a:ahLst/>
-              <a:cxnLst/>
-              <a:rect l="0" t="0" r="r" b="b"/>
-              <a:pathLst>
-                <a:path w="15356" h="8638">
-                  <a:moveTo>
-                    <a:pt x="0" y="0"/>
-                  </a:moveTo>
-                  <a:lnTo>
-                    <a:pt x="0" y="8638"/>
-                  </a:lnTo>
-                  <a:lnTo>
-                    <a:pt x="15356" y="8638"/>
-                  </a:lnTo>
-                  <a:lnTo>
-                    <a:pt x="15356" y="0"/>
-                  </a:lnTo>
-                  <a:lnTo>
-                    <a:pt x="0" y="0"/>
-                  </a:lnTo>
-                  <a:close/>
-                  <a:moveTo>
-                    <a:pt x="14748" y="8038"/>
-                  </a:moveTo>
-                  <a:lnTo>
-                    <a:pt x="600" y="8038"/>
-                  </a:lnTo>
-                  <a:lnTo>
-                    <a:pt x="600" y="592"/>
-                  </a:lnTo>
-                  <a:lnTo>
-                    <a:pt x="14748" y="592"/>
-                  </a:lnTo>
-                  <a:lnTo>
-                    <a:pt x="14748" y="8038"/>
-                  </a:lnTo>
-                  <a:close/>
-                </a:path>
-              </a:pathLst>
-            </a:custGeom>
-            <a:solidFill>
-              <a:schemeClr val="bg1"/>
-            </a:solidFill>
-            <a:ln>
-              <a:noFill/>
-            </a:ln>
-          </p:spPr>
-        </p:sp>
-      </p:grpSp>
-      <p:sp>
-        <p:nvSpPr>
-          <p:cNvPr id="59" name="Rectangle 58">
-            <a:extLst>
-              <a:ext uri="{FF2B5EF4-FFF2-40B4-BE49-F238E27FC236}">
-                <a16:creationId xmlns:a16="http://schemas.microsoft.com/office/drawing/2014/main" id="{B8144315-1C5A-4185-A952-25D98D303D46}"/>
-              </a:ext>
-              <a:ext uri="{C183D7F6-B498-43B3-948B-1728B52AA6E4}">
-                <adec:decorative xmlns:adec="http://schemas.microsoft.com/office/drawing/2017/decorative" val="1"/>
-              </a:ext>
-            </a:extLst>
-          </p:cNvPr>
-          <p:cNvSpPr>
-            <a:spLocks noGrp="1" noRot="1" noChangeAspect="1" noMove="1" noResize="1" noEditPoints="1" noAdjustHandles="1" noChangeArrowheads="1" noChangeShapeType="1" noTextEdit="1"/>
-          </p:cNvSpPr>
-          <p:nvPr>
-            <p:extLst>
-              <p:ext uri="{386F3935-93C4-4BCD-93E2-E3B085C9AB24}">
-                <p16:designElem xmlns:p16="http://schemas.microsoft.com/office/powerpoint/2015/main" val="1"/>
-              </p:ext>
-            </p:extLst>
-          </p:nvPr>
-        </p:nvSpPr>
-        <p:spPr>
-          <a:xfrm>
-            <a:off x="10437812" y="0"/>
-            <a:ext cx="685800" cy="1143000"/>
-          </a:xfrm>
-          <a:prstGeom prst="rect">
-            <a:avLst/>
-          </a:prstGeom>
-          <a:solidFill>
-            <a:schemeClr val="accent1"/>
-          </a:solidFill>
-          <a:ln>
-            <a:noFill/>
-          </a:ln>
-        </p:spPr>
-        <p:style>
-          <a:lnRef idx="1">
-            <a:schemeClr val="accent1"/>
-          </a:lnRef>
-          <a:fillRef idx="3">
-            <a:schemeClr val="accent1"/>
-          </a:fillRef>
-          <a:effectRef idx="2">
-            <a:schemeClr val="accent1"/>
-          </a:effectRef>
-          <a:fontRef idx="minor">
-            <a:schemeClr val="lt1"/>
-          </a:fontRef>
-        </p:style>
-      </p:sp>
-      <p:sp>
-        <p:nvSpPr>
-          <p:cNvPr id="61" name="Freeform 5">
-            <a:extLst>
-              <a:ext uri="{FF2B5EF4-FFF2-40B4-BE49-F238E27FC236}">
-                <a16:creationId xmlns:a16="http://schemas.microsoft.com/office/drawing/2014/main" id="{11CAC6F2-0806-417B-BF5D-5AEF6195FA49}"/>
-              </a:ext>
-              <a:ext uri="{C183D7F6-B498-43B3-948B-1728B52AA6E4}">
-                <adec:decorative xmlns:adec="http://schemas.microsoft.com/office/drawing/2017/decorative" val="1"/>
-              </a:ext>
-            </a:extLst>
-          </p:cNvPr>
-          <p:cNvSpPr>
-            <a:spLocks noGrp="1" noRot="1" noChangeAspect="1" noMove="1" noResize="1" noEditPoints="1" noAdjustHandles="1" noChangeArrowheads="1" noChangeShapeType="1" noTextEdit="1"/>
-          </p:cNvSpPr>
-          <p:nvPr>
-            <p:extLst>
-              <p:ext uri="{386F3935-93C4-4BCD-93E2-E3B085C9AB24}">
-                <p16:designElem xmlns:p16="http://schemas.microsoft.com/office/powerpoint/2015/main" val="1"/>
-              </p:ext>
-            </p:extLst>
-          </p:nvPr>
-        </p:nvSpPr>
-        <p:spPr bwMode="gray">
-          <a:xfrm>
-            <a:off x="0" y="1587"/>
-            <a:ext cx="12192000" cy="6856413"/>
-          </a:xfrm>
-          <a:custGeom>
-            <a:avLst/>
-            <a:gdLst/>
-            <a:ahLst/>
-            <a:cxnLst/>
-            <a:rect l="0" t="0" r="r" b="b"/>
-            <a:pathLst>
-              <a:path w="15356" h="8638">
-                <a:moveTo>
-                  <a:pt x="0" y="0"/>
-                </a:moveTo>
-                <a:lnTo>
-                  <a:pt x="0" y="8638"/>
-                </a:lnTo>
-                <a:lnTo>
-                  <a:pt x="15356" y="8638"/>
-                </a:lnTo>
-                <a:lnTo>
-                  <a:pt x="15356" y="0"/>
-                </a:lnTo>
-                <a:lnTo>
-                  <a:pt x="0" y="0"/>
-                </a:lnTo>
-                <a:close/>
-                <a:moveTo>
-                  <a:pt x="14748" y="8038"/>
-                </a:moveTo>
-                <a:lnTo>
-                  <a:pt x="600" y="8038"/>
-                </a:lnTo>
-                <a:lnTo>
-                  <a:pt x="600" y="592"/>
-                </a:lnTo>
-                <a:lnTo>
-                  <a:pt x="14748" y="592"/>
-                </a:lnTo>
-                <a:lnTo>
-                  <a:pt x="14748" y="8038"/>
-                </a:lnTo>
-                <a:close/>
-              </a:path>
-            </a:pathLst>
-          </a:custGeom>
-          <a:solidFill>
-            <a:schemeClr val="tx1"/>
-          </a:solidFill>
-          <a:ln>
-            <a:noFill/>
-          </a:ln>
-        </p:spPr>
-      </p:sp>
-      <p:sp>
-        <p:nvSpPr>
-          <p:cNvPr id="63" name="Rectangle 62">
-            <a:extLst>
-              <a:ext uri="{FF2B5EF4-FFF2-40B4-BE49-F238E27FC236}">
-                <a16:creationId xmlns:a16="http://schemas.microsoft.com/office/drawing/2014/main" id="{D4723B02-0AAB-4F6E-BA41-8ED99D559D93}"/>
-              </a:ext>
-              <a:ext uri="{C183D7F6-B498-43B3-948B-1728B52AA6E4}">
-                <adec:decorative xmlns:adec="http://schemas.microsoft.com/office/drawing/2017/decorative" val="1"/>
-              </a:ext>
-            </a:extLst>
-          </p:cNvPr>
-          <p:cNvSpPr>
-            <a:spLocks noGrp="1" noRot="1" noChangeAspect="1" noMove="1" noResize="1" noEditPoints="1" noAdjustHandles="1" noChangeArrowheads="1" noChangeShapeType="1" noTextEdit="1"/>
-          </p:cNvSpPr>
-          <p:nvPr>
-            <p:extLst>
-              <p:ext uri="{386F3935-93C4-4BCD-93E2-E3B085C9AB24}">
-                <p16:designElem xmlns:p16="http://schemas.microsoft.com/office/powerpoint/2015/main" val="1"/>
-              </p:ext>
-            </p:extLst>
-          </p:nvPr>
-        </p:nvSpPr>
-        <p:spPr>
-          <a:xfrm>
-            <a:off x="10437812" y="0"/>
-            <a:ext cx="685800" cy="1143000"/>
-          </a:xfrm>
-          <a:prstGeom prst="rect">
-            <a:avLst/>
-          </a:prstGeom>
-          <a:solidFill>
-            <a:schemeClr val="accent1"/>
-          </a:solidFill>
-          <a:ln>
-            <a:noFill/>
-          </a:ln>
-        </p:spPr>
-        <p:style>
-          <a:lnRef idx="1">
-            <a:schemeClr val="accent1"/>
-          </a:lnRef>
-          <a:fillRef idx="3">
-            <a:schemeClr val="accent1"/>
-          </a:fillRef>
-          <a:effectRef idx="2">
-            <a:schemeClr val="accent1"/>
-          </a:effectRef>
-          <a:fontRef idx="minor">
-            <a:schemeClr val="lt1"/>
-          </a:fontRef>
-        </p:style>
-      </p:sp>
       <p:sp>
         <p:nvSpPr>
           <p:cNvPr id="2" name="Title 1">
             <a:extLst>
               <a:ext uri="{FF2B5EF4-FFF2-40B4-BE49-F238E27FC236}">
-                <a16:creationId xmlns:a16="http://schemas.microsoft.com/office/drawing/2014/main" id="{CFCC33B3-8E90-164F-89A8-78E9217CCC80}"/>
+                <a16:creationId xmlns:a16="http://schemas.microsoft.com/office/drawing/2014/main" id="{E310FBD3-8EF8-1A4D-B6D4-5F684D51BFCA}"/>
               </a:ext>
             </a:extLst>
           </p:cNvPr>
@@ -13685,87 +13311,69 @@
             <p:ph type="title"/>
           </p:nvPr>
         </p:nvSpPr>
-        <p:spPr>
-          <a:xfrm>
-            <a:off x="8160773" y="1113062"/>
-            <a:ext cx="3382297" cy="3281957"/>
-          </a:xfrm>
-        </p:spPr>
+        <p:spPr/>
         <p:txBody>
-          <a:bodyPr vert="horz" lIns="91440" tIns="45720" rIns="91440" bIns="45720" rtlCol="0" anchor="b">
-            <a:normAutofit/>
-          </a:bodyPr>
+          <a:bodyPr/>
           <a:lstStyle/>
           <a:p>
-            <a:pPr>
-              <a:lnSpc>
-                <a:spcPct val="90000"/>
-              </a:lnSpc>
-            </a:pPr>
-            <a:r>
-              <a:rPr lang="en-US" sz="3800" b="0" i="0" kern="1200">
-                <a:solidFill>
-                  <a:srgbClr val="EBEBEB"/>
-                </a:solidFill>
-                <a:latin typeface="+mj-lt"/>
-                <a:ea typeface="+mj-ea"/>
-                <a:cs typeface="+mj-cs"/>
-              </a:rPr>
-              <a:t>Handling Authorization With Hashing</a:t>
+            <a:r>
+              <a:rPr lang="en-US" dirty="0"/>
+              <a:t>Authorization</a:t>
             </a:r>
           </a:p>
         </p:txBody>
       </p:sp>
-      <p:pic>
-        <p:nvPicPr>
-          <p:cNvPr id="22" name="Content Placeholder 21" descr="Text&#10;&#10;Description automatically generated">
+      <p:sp>
+        <p:nvSpPr>
+          <p:cNvPr id="3" name="Content Placeholder 2">
             <a:extLst>
               <a:ext uri="{FF2B5EF4-FFF2-40B4-BE49-F238E27FC236}">
-                <a16:creationId xmlns:a16="http://schemas.microsoft.com/office/drawing/2014/main" id="{B0145DB7-21EF-E94B-AC0F-1FD2C2005874}"/>
+                <a16:creationId xmlns:a16="http://schemas.microsoft.com/office/drawing/2014/main" id="{32992C5A-EA43-E842-AE36-AA9FB51E67FA}"/>
               </a:ext>
             </a:extLst>
           </p:cNvPr>
-          <p:cNvPicPr>
-            <a:picLocks noGrp="1" noChangeAspect="1"/>
-          </p:cNvPicPr>
+          <p:cNvSpPr>
+            <a:spLocks noGrp="1"/>
+          </p:cNvSpPr>
           <p:nvPr>
             <p:ph idx="1"/>
           </p:nvPr>
-        </p:nvPicPr>
-        <p:blipFill>
-          <a:blip r:embed="rId3"/>
-          <a:stretch>
-            <a:fillRect/>
-          </a:stretch>
-        </p:blipFill>
-        <p:spPr>
-          <a:xfrm>
-            <a:off x="1109763" y="1486171"/>
-            <a:ext cx="6470907" cy="3882542"/>
-          </a:xfrm>
-          <a:prstGeom prst="roundRect">
-            <a:avLst>
-              <a:gd name="adj" fmla="val 1858"/>
-            </a:avLst>
-          </a:prstGeom>
-          <a:effectLst>
-            <a:outerShdw blurRad="50800" dist="50800" dir="5400000" algn="tl" rotWithShape="0">
-              <a:srgbClr val="000000">
-                <a:alpha val="43000"/>
-              </a:srgbClr>
-            </a:outerShdw>
-          </a:effectLst>
-        </p:spPr>
-      </p:pic>
+        </p:nvSpPr>
+        <p:spPr/>
+        <p:txBody>
+          <a:bodyPr/>
+          <a:lstStyle/>
+          <a:p>
+            <a:r>
+              <a:rPr lang="en-US" dirty="0"/>
+              <a:t>Validating that a user has the necessary permissions to perform the requested action on the requested resource</a:t>
+            </a:r>
+          </a:p>
+          <a:p>
+            <a:pPr lvl="1"/>
+            <a:r>
+              <a:rPr lang="en-US" dirty="0"/>
+              <a:t>A user may have read permissions, but not write permissions</a:t>
+            </a:r>
+          </a:p>
+          <a:p>
+            <a:pPr lvl="1"/>
+            <a:r>
+              <a:rPr lang="en-US" dirty="0"/>
+              <a:t>A user may not have access to provide other users with access permission</a:t>
+            </a:r>
+          </a:p>
+        </p:txBody>
+      </p:sp>
     </p:spTree>
     <p:extLst>
       <p:ext uri="{BB962C8B-B14F-4D97-AF65-F5344CB8AC3E}">
-        <p14:creationId xmlns:p14="http://schemas.microsoft.com/office/powerpoint/2010/main" val="2764882629"/>
+        <p14:creationId xmlns:p14="http://schemas.microsoft.com/office/powerpoint/2010/main" val="1518037200"/>
       </p:ext>
     </p:extLst>
   </p:cSld>
   <p:clrMapOvr>
-    <a:overrideClrMapping bg1="dk1" tx1="lt1" bg2="dk2" tx2="lt2" accent1="accent1" accent2="accent2" accent3="accent3" accent4="accent4" accent5="accent5" accent6="accent6" hlink="hlink" folHlink="folHlink"/>
+    <a:masterClrMapping/>
   </p:clrMapOvr>
 </p:sld>
 </file>
@@ -19672,6 +19280,14 @@
 <file path=ppt/slides/slide9.xml><?xml version="1.0" encoding="utf-8"?>
 <p:sld xmlns:a="http://schemas.openxmlformats.org/drawingml/2006/main" xmlns:r="http://schemas.openxmlformats.org/officeDocument/2006/relationships" xmlns:p="http://schemas.openxmlformats.org/presentationml/2006/main">
   <p:cSld>
+    <p:bg>
+      <p:bgPr>
+        <a:solidFill>
+          <a:schemeClr val="bg1"/>
+        </a:solidFill>
+        <a:effectLst/>
+      </p:bgPr>
+    </p:bg>
     <p:spTree>
       <p:nvGrpSpPr>
         <p:cNvPr id="1" name=""/>
@@ -19686,12 +19302,378 @@
           <a:chExt cx="0" cy="0"/>
         </a:xfrm>
       </p:grpSpPr>
+      <p:grpSp>
+        <p:nvGrpSpPr>
+          <p:cNvPr id="55" name="Group 54">
+            <a:extLst>
+              <a:ext uri="{FF2B5EF4-FFF2-40B4-BE49-F238E27FC236}">
+                <a16:creationId xmlns:a16="http://schemas.microsoft.com/office/drawing/2014/main" id="{4091D54B-59AB-4A5E-8E9E-0421BD66D4FB}"/>
+              </a:ext>
+              <a:ext uri="{C183D7F6-B498-43B3-948B-1728B52AA6E4}">
+                <adec:decorative xmlns:adec="http://schemas.microsoft.com/office/drawing/2017/decorative" val="1"/>
+              </a:ext>
+            </a:extLst>
+          </p:cNvPr>
+          <p:cNvGrpSpPr>
+            <a:grpSpLocks noGrp="1" noUngrp="1" noRot="1" noChangeAspect="1" noMove="1" noResize="1"/>
+          </p:cNvGrpSpPr>
+          <p:nvPr>
+            <p:extLst>
+              <p:ext uri="{386F3935-93C4-4BCD-93E2-E3B085C9AB24}">
+                <p16:designElem xmlns:p16="http://schemas.microsoft.com/office/powerpoint/2015/main" val="1"/>
+              </p:ext>
+            </p:extLst>
+          </p:nvPr>
+        </p:nvGrpSpPr>
+        <p:grpSpPr>
+          <a:xfrm>
+            <a:off x="0" y="0"/>
+            <a:ext cx="12192000" cy="6858000"/>
+            <a:chOff x="0" y="0"/>
+            <a:chExt cx="12192000" cy="6858000"/>
+          </a:xfrm>
+        </p:grpSpPr>
+        <p:sp>
+          <p:nvSpPr>
+            <p:cNvPr id="56" name="Rectangle 55">
+              <a:extLst>
+                <a:ext uri="{FF2B5EF4-FFF2-40B4-BE49-F238E27FC236}">
+                  <a16:creationId xmlns:a16="http://schemas.microsoft.com/office/drawing/2014/main" id="{547CE62E-FFFD-4A1F-BA78-C3B89C36FCA5}"/>
+                </a:ext>
+                <a:ext uri="{C183D7F6-B498-43B3-948B-1728B52AA6E4}">
+                  <adec:decorative xmlns:adec="http://schemas.microsoft.com/office/drawing/2017/decorative" val="1"/>
+                </a:ext>
+              </a:extLst>
+            </p:cNvPr>
+            <p:cNvSpPr/>
+            <p:nvPr>
+              <p:extLst>
+                <p:ext uri="{386F3935-93C4-4BCD-93E2-E3B085C9AB24}">
+                  <p16:designElem xmlns:p16="http://schemas.microsoft.com/office/powerpoint/2015/main" val="1"/>
+                </p:ext>
+              </p:extLst>
+            </p:nvPr>
+          </p:nvSpPr>
+          <p:spPr>
+            <a:xfrm>
+              <a:off x="0" y="0"/>
+              <a:ext cx="12192000" cy="6858000"/>
+            </a:xfrm>
+            <a:prstGeom prst="rect">
+              <a:avLst/>
+            </a:prstGeom>
+            <a:blipFill>
+              <a:blip r:embed="rId2">
+                <a:duotone>
+                  <a:schemeClr val="dk2">
+                    <a:shade val="69000"/>
+                    <a:hueMod val="91000"/>
+                    <a:satMod val="164000"/>
+                    <a:lumMod val="74000"/>
+                  </a:schemeClr>
+                  <a:schemeClr val="dk2">
+                    <a:hueMod val="124000"/>
+                    <a:satMod val="140000"/>
+                    <a:lumMod val="142000"/>
+                  </a:schemeClr>
+                </a:duotone>
+              </a:blip>
+              <a:stretch>
+                <a:fillRect/>
+              </a:stretch>
+            </a:blipFill>
+            <a:ln>
+              <a:noFill/>
+            </a:ln>
+          </p:spPr>
+          <p:style>
+            <a:lnRef idx="2">
+              <a:schemeClr val="accent1">
+                <a:shade val="50000"/>
+              </a:schemeClr>
+            </a:lnRef>
+            <a:fillRef idx="1">
+              <a:schemeClr val="accent1"/>
+            </a:fillRef>
+            <a:effectRef idx="0">
+              <a:schemeClr val="accent1"/>
+            </a:effectRef>
+            <a:fontRef idx="minor">
+              <a:schemeClr val="lt1"/>
+            </a:fontRef>
+          </p:style>
+        </p:sp>
+        <p:sp>
+          <p:nvSpPr>
+            <p:cNvPr id="57" name="Freeform 5">
+              <a:extLst>
+                <a:ext uri="{FF2B5EF4-FFF2-40B4-BE49-F238E27FC236}">
+                  <a16:creationId xmlns:a16="http://schemas.microsoft.com/office/drawing/2014/main" id="{AE51FD27-6B6A-4D21-BF22-245DA9BD0B3E}"/>
+                </a:ext>
+                <a:ext uri="{C183D7F6-B498-43B3-948B-1728B52AA6E4}">
+                  <adec:decorative xmlns:adec="http://schemas.microsoft.com/office/drawing/2017/decorative" val="1"/>
+                </a:ext>
+              </a:extLst>
+            </p:cNvPr>
+            <p:cNvSpPr>
+              <a:spLocks noEditPoints="1"/>
+            </p:cNvSpPr>
+            <p:nvPr>
+              <p:extLst>
+                <p:ext uri="{386F3935-93C4-4BCD-93E2-E3B085C9AB24}">
+                  <p16:designElem xmlns:p16="http://schemas.microsoft.com/office/powerpoint/2015/main" val="1"/>
+                </p:ext>
+              </p:extLst>
+            </p:nvPr>
+          </p:nvSpPr>
+          <p:spPr bwMode="gray">
+            <a:xfrm>
+              <a:off x="0" y="1587"/>
+              <a:ext cx="12192000" cy="6856413"/>
+            </a:xfrm>
+            <a:custGeom>
+              <a:avLst/>
+              <a:gdLst/>
+              <a:ahLst/>
+              <a:cxnLst/>
+              <a:rect l="0" t="0" r="r" b="b"/>
+              <a:pathLst>
+                <a:path w="15356" h="8638">
+                  <a:moveTo>
+                    <a:pt x="0" y="0"/>
+                  </a:moveTo>
+                  <a:lnTo>
+                    <a:pt x="0" y="8638"/>
+                  </a:lnTo>
+                  <a:lnTo>
+                    <a:pt x="15356" y="8638"/>
+                  </a:lnTo>
+                  <a:lnTo>
+                    <a:pt x="15356" y="0"/>
+                  </a:lnTo>
+                  <a:lnTo>
+                    <a:pt x="0" y="0"/>
+                  </a:lnTo>
+                  <a:close/>
+                  <a:moveTo>
+                    <a:pt x="14748" y="8038"/>
+                  </a:moveTo>
+                  <a:lnTo>
+                    <a:pt x="600" y="8038"/>
+                  </a:lnTo>
+                  <a:lnTo>
+                    <a:pt x="600" y="592"/>
+                  </a:lnTo>
+                  <a:lnTo>
+                    <a:pt x="14748" y="592"/>
+                  </a:lnTo>
+                  <a:lnTo>
+                    <a:pt x="14748" y="8038"/>
+                  </a:lnTo>
+                  <a:close/>
+                </a:path>
+              </a:pathLst>
+            </a:custGeom>
+            <a:solidFill>
+              <a:schemeClr val="bg1"/>
+            </a:solidFill>
+            <a:ln>
+              <a:noFill/>
+            </a:ln>
+          </p:spPr>
+        </p:sp>
+      </p:grpSp>
+      <p:sp>
+        <p:nvSpPr>
+          <p:cNvPr id="59" name="Rectangle 58">
+            <a:extLst>
+              <a:ext uri="{FF2B5EF4-FFF2-40B4-BE49-F238E27FC236}">
+                <a16:creationId xmlns:a16="http://schemas.microsoft.com/office/drawing/2014/main" id="{B8144315-1C5A-4185-A952-25D98D303D46}"/>
+              </a:ext>
+              <a:ext uri="{C183D7F6-B498-43B3-948B-1728B52AA6E4}">
+                <adec:decorative xmlns:adec="http://schemas.microsoft.com/office/drawing/2017/decorative" val="1"/>
+              </a:ext>
+            </a:extLst>
+          </p:cNvPr>
+          <p:cNvSpPr>
+            <a:spLocks noGrp="1" noRot="1" noChangeAspect="1" noMove="1" noResize="1" noEditPoints="1" noAdjustHandles="1" noChangeArrowheads="1" noChangeShapeType="1" noTextEdit="1"/>
+          </p:cNvSpPr>
+          <p:nvPr>
+            <p:extLst>
+              <p:ext uri="{386F3935-93C4-4BCD-93E2-E3B085C9AB24}">
+                <p16:designElem xmlns:p16="http://schemas.microsoft.com/office/powerpoint/2015/main" val="1"/>
+              </p:ext>
+            </p:extLst>
+          </p:nvPr>
+        </p:nvSpPr>
+        <p:spPr>
+          <a:xfrm>
+            <a:off x="10437812" y="0"/>
+            <a:ext cx="685800" cy="1143000"/>
+          </a:xfrm>
+          <a:prstGeom prst="rect">
+            <a:avLst/>
+          </a:prstGeom>
+          <a:solidFill>
+            <a:schemeClr val="accent1"/>
+          </a:solidFill>
+          <a:ln>
+            <a:noFill/>
+          </a:ln>
+        </p:spPr>
+        <p:style>
+          <a:lnRef idx="1">
+            <a:schemeClr val="accent1"/>
+          </a:lnRef>
+          <a:fillRef idx="3">
+            <a:schemeClr val="accent1"/>
+          </a:fillRef>
+          <a:effectRef idx="2">
+            <a:schemeClr val="accent1"/>
+          </a:effectRef>
+          <a:fontRef idx="minor">
+            <a:schemeClr val="lt1"/>
+          </a:fontRef>
+        </p:style>
+      </p:sp>
+      <p:sp>
+        <p:nvSpPr>
+          <p:cNvPr id="61" name="Freeform 5">
+            <a:extLst>
+              <a:ext uri="{FF2B5EF4-FFF2-40B4-BE49-F238E27FC236}">
+                <a16:creationId xmlns:a16="http://schemas.microsoft.com/office/drawing/2014/main" id="{11CAC6F2-0806-417B-BF5D-5AEF6195FA49}"/>
+              </a:ext>
+              <a:ext uri="{C183D7F6-B498-43B3-948B-1728B52AA6E4}">
+                <adec:decorative xmlns:adec="http://schemas.microsoft.com/office/drawing/2017/decorative" val="1"/>
+              </a:ext>
+            </a:extLst>
+          </p:cNvPr>
+          <p:cNvSpPr>
+            <a:spLocks noGrp="1" noRot="1" noChangeAspect="1" noMove="1" noResize="1" noEditPoints="1" noAdjustHandles="1" noChangeArrowheads="1" noChangeShapeType="1" noTextEdit="1"/>
+          </p:cNvSpPr>
+          <p:nvPr>
+            <p:extLst>
+              <p:ext uri="{386F3935-93C4-4BCD-93E2-E3B085C9AB24}">
+                <p16:designElem xmlns:p16="http://schemas.microsoft.com/office/powerpoint/2015/main" val="1"/>
+              </p:ext>
+            </p:extLst>
+          </p:nvPr>
+        </p:nvSpPr>
+        <p:spPr bwMode="gray">
+          <a:xfrm>
+            <a:off x="0" y="1587"/>
+            <a:ext cx="12192000" cy="6856413"/>
+          </a:xfrm>
+          <a:custGeom>
+            <a:avLst/>
+            <a:gdLst/>
+            <a:ahLst/>
+            <a:cxnLst/>
+            <a:rect l="0" t="0" r="r" b="b"/>
+            <a:pathLst>
+              <a:path w="15356" h="8638">
+                <a:moveTo>
+                  <a:pt x="0" y="0"/>
+                </a:moveTo>
+                <a:lnTo>
+                  <a:pt x="0" y="8638"/>
+                </a:lnTo>
+                <a:lnTo>
+                  <a:pt x="15356" y="8638"/>
+                </a:lnTo>
+                <a:lnTo>
+                  <a:pt x="15356" y="0"/>
+                </a:lnTo>
+                <a:lnTo>
+                  <a:pt x="0" y="0"/>
+                </a:lnTo>
+                <a:close/>
+                <a:moveTo>
+                  <a:pt x="14748" y="8038"/>
+                </a:moveTo>
+                <a:lnTo>
+                  <a:pt x="600" y="8038"/>
+                </a:lnTo>
+                <a:lnTo>
+                  <a:pt x="600" y="592"/>
+                </a:lnTo>
+                <a:lnTo>
+                  <a:pt x="14748" y="592"/>
+                </a:lnTo>
+                <a:lnTo>
+                  <a:pt x="14748" y="8038"/>
+                </a:lnTo>
+                <a:close/>
+              </a:path>
+            </a:pathLst>
+          </a:custGeom>
+          <a:solidFill>
+            <a:schemeClr val="tx1"/>
+          </a:solidFill>
+          <a:ln>
+            <a:noFill/>
+          </a:ln>
+        </p:spPr>
+      </p:sp>
+      <p:sp>
+        <p:nvSpPr>
+          <p:cNvPr id="63" name="Rectangle 62">
+            <a:extLst>
+              <a:ext uri="{FF2B5EF4-FFF2-40B4-BE49-F238E27FC236}">
+                <a16:creationId xmlns:a16="http://schemas.microsoft.com/office/drawing/2014/main" id="{D4723B02-0AAB-4F6E-BA41-8ED99D559D93}"/>
+              </a:ext>
+              <a:ext uri="{C183D7F6-B498-43B3-948B-1728B52AA6E4}">
+                <adec:decorative xmlns:adec="http://schemas.microsoft.com/office/drawing/2017/decorative" val="1"/>
+              </a:ext>
+            </a:extLst>
+          </p:cNvPr>
+          <p:cNvSpPr>
+            <a:spLocks noGrp="1" noRot="1" noChangeAspect="1" noMove="1" noResize="1" noEditPoints="1" noAdjustHandles="1" noChangeArrowheads="1" noChangeShapeType="1" noTextEdit="1"/>
+          </p:cNvSpPr>
+          <p:nvPr>
+            <p:extLst>
+              <p:ext uri="{386F3935-93C4-4BCD-93E2-E3B085C9AB24}">
+                <p16:designElem xmlns:p16="http://schemas.microsoft.com/office/powerpoint/2015/main" val="1"/>
+              </p:ext>
+            </p:extLst>
+          </p:nvPr>
+        </p:nvSpPr>
+        <p:spPr>
+          <a:xfrm>
+            <a:off x="10437812" y="0"/>
+            <a:ext cx="685800" cy="1143000"/>
+          </a:xfrm>
+          <a:prstGeom prst="rect">
+            <a:avLst/>
+          </a:prstGeom>
+          <a:solidFill>
+            <a:schemeClr val="accent1"/>
+          </a:solidFill>
+          <a:ln>
+            <a:noFill/>
+          </a:ln>
+        </p:spPr>
+        <p:style>
+          <a:lnRef idx="1">
+            <a:schemeClr val="accent1"/>
+          </a:lnRef>
+          <a:fillRef idx="3">
+            <a:schemeClr val="accent1"/>
+          </a:fillRef>
+          <a:effectRef idx="2">
+            <a:schemeClr val="accent1"/>
+          </a:effectRef>
+          <a:fontRef idx="minor">
+            <a:schemeClr val="lt1"/>
+          </a:fontRef>
+        </p:style>
+      </p:sp>
       <p:sp>
         <p:nvSpPr>
           <p:cNvPr id="2" name="Title 1">
             <a:extLst>
               <a:ext uri="{FF2B5EF4-FFF2-40B4-BE49-F238E27FC236}">
-                <a16:creationId xmlns:a16="http://schemas.microsoft.com/office/drawing/2014/main" id="{E310FBD3-8EF8-1A4D-B6D4-5F684D51BFCA}"/>
+                <a16:creationId xmlns:a16="http://schemas.microsoft.com/office/drawing/2014/main" id="{CFCC33B3-8E90-164F-89A8-78E9217CCC80}"/>
               </a:ext>
             </a:extLst>
           </p:cNvPr>
@@ -19702,69 +19684,87 @@
             <p:ph type="title"/>
           </p:nvPr>
         </p:nvSpPr>
-        <p:spPr/>
+        <p:spPr>
+          <a:xfrm>
+            <a:off x="8160773" y="1113062"/>
+            <a:ext cx="3382297" cy="3281957"/>
+          </a:xfrm>
+        </p:spPr>
         <p:txBody>
-          <a:bodyPr/>
+          <a:bodyPr vert="horz" lIns="91440" tIns="45720" rIns="91440" bIns="45720" rtlCol="0" anchor="b">
+            <a:normAutofit/>
+          </a:bodyPr>
           <a:lstStyle/>
           <a:p>
-            <a:r>
-              <a:rPr lang="en-US" dirty="0"/>
-              <a:t>Authorization</a:t>
+            <a:pPr>
+              <a:lnSpc>
+                <a:spcPct val="90000"/>
+              </a:lnSpc>
+            </a:pPr>
+            <a:r>
+              <a:rPr lang="en-US" sz="3800" b="0" i="0" kern="1200">
+                <a:solidFill>
+                  <a:srgbClr val="EBEBEB"/>
+                </a:solidFill>
+                <a:latin typeface="+mj-lt"/>
+                <a:ea typeface="+mj-ea"/>
+                <a:cs typeface="+mj-cs"/>
+              </a:rPr>
+              <a:t>Handling Authorization With Hashing</a:t>
             </a:r>
           </a:p>
         </p:txBody>
       </p:sp>
-      <p:sp>
-        <p:nvSpPr>
-          <p:cNvPr id="3" name="Content Placeholder 2">
+      <p:pic>
+        <p:nvPicPr>
+          <p:cNvPr id="22" name="Content Placeholder 21" descr="Text&#10;&#10;Description automatically generated">
             <a:extLst>
               <a:ext uri="{FF2B5EF4-FFF2-40B4-BE49-F238E27FC236}">
-                <a16:creationId xmlns:a16="http://schemas.microsoft.com/office/drawing/2014/main" id="{32992C5A-EA43-E842-AE36-AA9FB51E67FA}"/>
+                <a16:creationId xmlns:a16="http://schemas.microsoft.com/office/drawing/2014/main" id="{B0145DB7-21EF-E94B-AC0F-1FD2C2005874}"/>
               </a:ext>
             </a:extLst>
           </p:cNvPr>
-          <p:cNvSpPr>
-            <a:spLocks noGrp="1"/>
-          </p:cNvSpPr>
+          <p:cNvPicPr>
+            <a:picLocks noGrp="1" noChangeAspect="1"/>
+          </p:cNvPicPr>
           <p:nvPr>
             <p:ph idx="1"/>
           </p:nvPr>
-        </p:nvSpPr>
-        <p:spPr/>
-        <p:txBody>
-          <a:bodyPr/>
-          <a:lstStyle/>
-          <a:p>
-            <a:r>
-              <a:rPr lang="en-US" dirty="0"/>
-              <a:t>Validating that a user has the necessary permissions to perform the requested action on the requested resource</a:t>
-            </a:r>
-          </a:p>
-          <a:p>
-            <a:pPr lvl="1"/>
-            <a:r>
-              <a:rPr lang="en-US" dirty="0"/>
-              <a:t>A user may have read permissions, but not write permissions</a:t>
-            </a:r>
-          </a:p>
-          <a:p>
-            <a:pPr lvl="1"/>
-            <a:r>
-              <a:rPr lang="en-US" dirty="0"/>
-              <a:t>A user may not have access to provide other users with access permission</a:t>
-            </a:r>
-          </a:p>
-        </p:txBody>
-      </p:sp>
+        </p:nvPicPr>
+        <p:blipFill>
+          <a:blip r:embed="rId3"/>
+          <a:stretch>
+            <a:fillRect/>
+          </a:stretch>
+        </p:blipFill>
+        <p:spPr>
+          <a:xfrm>
+            <a:off x="1109763" y="1486171"/>
+            <a:ext cx="6470907" cy="3882542"/>
+          </a:xfrm>
+          <a:prstGeom prst="roundRect">
+            <a:avLst>
+              <a:gd name="adj" fmla="val 1858"/>
+            </a:avLst>
+          </a:prstGeom>
+          <a:effectLst>
+            <a:outerShdw blurRad="50800" dist="50800" dir="5400000" algn="tl" rotWithShape="0">
+              <a:srgbClr val="000000">
+                <a:alpha val="43000"/>
+              </a:srgbClr>
+            </a:outerShdw>
+          </a:effectLst>
+        </p:spPr>
+      </p:pic>
     </p:spTree>
     <p:extLst>
       <p:ext uri="{BB962C8B-B14F-4D97-AF65-F5344CB8AC3E}">
-        <p14:creationId xmlns:p14="http://schemas.microsoft.com/office/powerpoint/2010/main" val="1518037200"/>
+        <p14:creationId xmlns:p14="http://schemas.microsoft.com/office/powerpoint/2010/main" val="2764882629"/>
       </p:ext>
     </p:extLst>
   </p:cSld>
   <p:clrMapOvr>
-    <a:masterClrMapping/>
+    <a:overrideClrMapping bg1="dk1" tx1="lt1" bg2="dk2" tx2="lt2" accent1="accent1" accent2="accent2" accent3="accent3" accent4="accent4" accent5="accent5" accent6="accent6" hlink="hlink" folHlink="folHlink"/>
   </p:clrMapOvr>
 </p:sld>
 </file>
